--- a/slides/Chapter1.pptx
+++ b/slides/Chapter1.pptx
@@ -232,7 +232,7 @@
           <a:p>
             <a:fld id="{D2A48B96-639E-45A3-A0BA-2464DFDB1FAA}" type="datetimeFigureOut">
               <a:rPr lang="zh-CN" altLang="en-US" smtClean="0"/>
-              <a:t>2022/12/30</a:t>
+              <a:t>2023/1/12</a:t>
             </a:fld>
             <a:endParaRPr lang="zh-CN" altLang="en-US"/>
           </a:p>
@@ -2259,7 +2259,7 @@
           <a:p>
             <a:fld id="{D997B5FA-0921-464F-AAE1-844C04324D75}" type="datetimeFigureOut">
               <a:rPr lang="zh-CN" altLang="en-US" smtClean="0"/>
-              <a:t>2022/12/30</a:t>
+              <a:t>2023/1/12</a:t>
             </a:fld>
             <a:endParaRPr lang="zh-CN" altLang="en-US"/>
           </a:p>
@@ -2422,7 +2422,7 @@
           <a:p>
             <a:fld id="{D997B5FA-0921-464F-AAE1-844C04324D75}" type="datetimeFigureOut">
               <a:rPr lang="zh-CN" altLang="en-US" smtClean="0"/>
-              <a:t>2022/12/30</a:t>
+              <a:t>2023/1/12</a:t>
             </a:fld>
             <a:endParaRPr lang="zh-CN" altLang="en-US"/>
           </a:p>
@@ -2595,7 +2595,7 @@
           <a:p>
             <a:fld id="{D997B5FA-0921-464F-AAE1-844C04324D75}" type="datetimeFigureOut">
               <a:rPr lang="zh-CN" altLang="en-US" smtClean="0"/>
-              <a:t>2022/12/30</a:t>
+              <a:t>2023/1/12</a:t>
             </a:fld>
             <a:endParaRPr lang="zh-CN" altLang="en-US"/>
           </a:p>
@@ -3269,7 +3269,7 @@
           <a:p>
             <a:fld id="{760FBDFE-C587-4B4C-A407-44438C67B59E}" type="datetimeFigureOut">
               <a:rPr lang="zh-CN" altLang="en-US" smtClean="0"/>
-              <a:t>2022/12/30</a:t>
+              <a:t>2023/1/12</a:t>
             </a:fld>
             <a:endParaRPr lang="zh-CN" altLang="en-US"/>
           </a:p>
@@ -4137,7 +4137,7 @@
           <a:p>
             <a:fld id="{760FBDFE-C587-4B4C-A407-44438C67B59E}" type="datetimeFigureOut">
               <a:rPr lang="zh-CN" altLang="en-US" smtClean="0"/>
-              <a:t>2022/12/30</a:t>
+              <a:t>2023/1/12</a:t>
             </a:fld>
             <a:endParaRPr lang="zh-CN" altLang="en-US"/>
           </a:p>
@@ -4945,7 +4945,7 @@
           <a:p>
             <a:fld id="{760FBDFE-C587-4B4C-A407-44438C67B59E}" type="datetimeFigureOut">
               <a:rPr lang="zh-CN" altLang="en-US" smtClean="0"/>
-              <a:t>2022/12/30</a:t>
+              <a:t>2023/1/12</a:t>
             </a:fld>
             <a:endParaRPr lang="zh-CN" altLang="en-US"/>
           </a:p>
@@ -5682,7 +5682,7 @@
           <a:p>
             <a:fld id="{760FBDFE-C587-4B4C-A407-44438C67B59E}" type="datetimeFigureOut">
               <a:rPr lang="zh-CN" altLang="en-US" smtClean="0"/>
-              <a:t>2022/12/30</a:t>
+              <a:t>2023/1/12</a:t>
             </a:fld>
             <a:endParaRPr lang="zh-CN" altLang="en-US"/>
           </a:p>
@@ -6663,7 +6663,7 @@
           <a:p>
             <a:fld id="{760FBDFE-C587-4B4C-A407-44438C67B59E}" type="datetimeFigureOut">
               <a:rPr lang="zh-CN" altLang="en-US" smtClean="0"/>
-              <a:t>2022/12/30</a:t>
+              <a:t>2023/1/12</a:t>
             </a:fld>
             <a:endParaRPr lang="zh-CN" altLang="en-US"/>
           </a:p>
@@ -7286,7 +7286,7 @@
           <a:p>
             <a:fld id="{760FBDFE-C587-4B4C-A407-44438C67B59E}" type="datetimeFigureOut">
               <a:rPr lang="zh-CN" altLang="en-US" smtClean="0"/>
-              <a:t>2022/12/30</a:t>
+              <a:t>2023/1/12</a:t>
             </a:fld>
             <a:endParaRPr lang="zh-CN" altLang="en-US"/>
           </a:p>
@@ -7393,7 +7393,7 @@
           <a:p>
             <a:fld id="{760FBDFE-C587-4B4C-A407-44438C67B59E}" type="datetimeFigureOut">
               <a:rPr lang="zh-CN" altLang="en-US" smtClean="0"/>
-              <a:t>2022/12/30</a:t>
+              <a:t>2023/1/12</a:t>
             </a:fld>
             <a:endParaRPr lang="zh-CN" altLang="en-US"/>
           </a:p>
@@ -8019,7 +8019,7 @@
           <a:p>
             <a:fld id="{9EFD9D74-47D9-4702-A33C-335B63B48DBF}" type="datetimeFigureOut">
               <a:rPr lang="zh-CN" altLang="en-US" smtClean="0"/>
-              <a:t>2022/12/30</a:t>
+              <a:t>2023/1/12</a:t>
             </a:fld>
             <a:endParaRPr lang="zh-CN" altLang="en-US"/>
           </a:p>
@@ -8214,7 +8214,7 @@
           <a:p>
             <a:fld id="{D997B5FA-0921-464F-AAE1-844C04324D75}" type="datetimeFigureOut">
               <a:rPr lang="zh-CN" altLang="en-US" smtClean="0"/>
-              <a:t>2022/12/30</a:t>
+              <a:t>2023/1/12</a:t>
             </a:fld>
             <a:endParaRPr lang="zh-CN" altLang="en-US"/>
           </a:p>
@@ -8896,7 +8896,7 @@
           <a:p>
             <a:fld id="{760FBDFE-C587-4B4C-A407-44438C67B59E}" type="datetimeFigureOut">
               <a:rPr lang="zh-CN" altLang="en-US" smtClean="0"/>
-              <a:t>2022/12/30</a:t>
+              <a:t>2023/1/12</a:t>
             </a:fld>
             <a:endParaRPr lang="zh-CN" altLang="en-US"/>
           </a:p>
@@ -9432,7 +9432,7 @@
           <a:p>
             <a:fld id="{760FBDFE-C587-4B4C-A407-44438C67B59E}" type="datetimeFigureOut">
               <a:rPr lang="zh-CN" altLang="en-US" smtClean="0"/>
-              <a:t>2022/12/30</a:t>
+              <a:t>2023/1/12</a:t>
             </a:fld>
             <a:endParaRPr lang="zh-CN" altLang="en-US"/>
           </a:p>
@@ -10199,7 +10199,7 @@
           <a:p>
             <a:fld id="{760FBDFE-C587-4B4C-A407-44438C67B59E}" type="datetimeFigureOut">
               <a:rPr lang="zh-CN" altLang="en-US" smtClean="0"/>
-              <a:t>2022/12/30</a:t>
+              <a:t>2023/1/12</a:t>
             </a:fld>
             <a:endParaRPr lang="zh-CN" altLang="en-US"/>
           </a:p>
@@ -10665,7 +10665,7 @@
           <a:p>
             <a:fld id="{760FBDFE-C587-4B4C-A407-44438C67B59E}" type="datetimeFigureOut">
               <a:rPr lang="zh-CN" altLang="en-US" smtClean="0"/>
-              <a:t>2022/12/30</a:t>
+              <a:t>2023/1/12</a:t>
             </a:fld>
             <a:endParaRPr lang="zh-CN" altLang="en-US"/>
           </a:p>
@@ -11355,7 +11355,7 @@
           <a:p>
             <a:fld id="{760FBDFE-C587-4B4C-A407-44438C67B59E}" type="datetimeFigureOut">
               <a:rPr lang="zh-CN" altLang="en-US" smtClean="0"/>
-              <a:t>2022/12/30</a:t>
+              <a:t>2023/1/12</a:t>
             </a:fld>
             <a:endParaRPr lang="zh-CN" altLang="en-US"/>
           </a:p>
@@ -11829,7 +11829,7 @@
           <a:p>
             <a:fld id="{760FBDFE-C587-4B4C-A407-44438C67B59E}" type="datetimeFigureOut">
               <a:rPr lang="zh-CN" altLang="en-US" smtClean="0"/>
-              <a:t>2022/12/30</a:t>
+              <a:t>2023/1/12</a:t>
             </a:fld>
             <a:endParaRPr lang="zh-CN" altLang="en-US"/>
           </a:p>
@@ -12555,7 +12555,7 @@
           <a:p>
             <a:fld id="{760FBDFE-C587-4B4C-A407-44438C67B59E}" type="datetimeFigureOut">
               <a:rPr lang="zh-CN" altLang="en-US" smtClean="0"/>
-              <a:t>2022/12/30</a:t>
+              <a:t>2023/1/12</a:t>
             </a:fld>
             <a:endParaRPr lang="zh-CN" altLang="en-US"/>
           </a:p>
@@ -13195,7 +13195,7 @@
           <a:p>
             <a:fld id="{760FBDFE-C587-4B4C-A407-44438C67B59E}" type="datetimeFigureOut">
               <a:rPr lang="zh-CN" altLang="en-US" smtClean="0"/>
-              <a:t>2022/12/30</a:t>
+              <a:t>2023/1/12</a:t>
             </a:fld>
             <a:endParaRPr lang="zh-CN" altLang="en-US"/>
           </a:p>
@@ -13622,7 +13622,7 @@
           <a:p>
             <a:fld id="{760FBDFE-C587-4B4C-A407-44438C67B59E}" type="datetimeFigureOut">
               <a:rPr lang="zh-CN" altLang="en-US" smtClean="0"/>
-              <a:t>2022/12/30</a:t>
+              <a:t>2023/1/12</a:t>
             </a:fld>
             <a:endParaRPr lang="zh-CN" altLang="en-US"/>
           </a:p>
@@ -14822,7 +14822,7 @@
           <a:p>
             <a:fld id="{760FBDFE-C587-4B4C-A407-44438C67B59E}" type="datetimeFigureOut">
               <a:rPr lang="zh-CN" altLang="en-US" smtClean="0"/>
-              <a:t>2022/12/30</a:t>
+              <a:t>2023/1/12</a:t>
             </a:fld>
             <a:endParaRPr lang="zh-CN" altLang="en-US"/>
           </a:p>
@@ -15141,7 +15141,7 @@
           <a:p>
             <a:fld id="{D997B5FA-0921-464F-AAE1-844C04324D75}" type="datetimeFigureOut">
               <a:rPr lang="zh-CN" altLang="en-US" smtClean="0"/>
-              <a:t>2022/12/30</a:t>
+              <a:t>2023/1/12</a:t>
             </a:fld>
             <a:endParaRPr lang="zh-CN" altLang="en-US"/>
           </a:p>
@@ -15365,7 +15365,7 @@
           <a:p>
             <a:fld id="{D997B5FA-0921-464F-AAE1-844C04324D75}" type="datetimeFigureOut">
               <a:rPr lang="zh-CN" altLang="en-US" smtClean="0"/>
-              <a:t>2022/12/30</a:t>
+              <a:t>2023/1/12</a:t>
             </a:fld>
             <a:endParaRPr lang="zh-CN" altLang="en-US"/>
           </a:p>
@@ -15724,7 +15724,7 @@
           <a:p>
             <a:fld id="{D997B5FA-0921-464F-AAE1-844C04324D75}" type="datetimeFigureOut">
               <a:rPr lang="zh-CN" altLang="en-US" smtClean="0"/>
-              <a:t>2022/12/30</a:t>
+              <a:t>2023/1/12</a:t>
             </a:fld>
             <a:endParaRPr lang="zh-CN" altLang="en-US"/>
           </a:p>
@@ -15836,7 +15836,7 @@
           <a:p>
             <a:fld id="{D997B5FA-0921-464F-AAE1-844C04324D75}" type="datetimeFigureOut">
               <a:rPr lang="zh-CN" altLang="en-US" smtClean="0"/>
-              <a:t>2022/12/30</a:t>
+              <a:t>2023/1/12</a:t>
             </a:fld>
             <a:endParaRPr lang="zh-CN" altLang="en-US"/>
           </a:p>
@@ -15926,7 +15926,7 @@
           <a:p>
             <a:fld id="{D997B5FA-0921-464F-AAE1-844C04324D75}" type="datetimeFigureOut">
               <a:rPr lang="zh-CN" altLang="en-US" smtClean="0"/>
-              <a:t>2022/12/30</a:t>
+              <a:t>2023/1/12</a:t>
             </a:fld>
             <a:endParaRPr lang="zh-CN" altLang="en-US"/>
           </a:p>
@@ -16196,7 +16196,7 @@
           <a:p>
             <a:fld id="{D997B5FA-0921-464F-AAE1-844C04324D75}" type="datetimeFigureOut">
               <a:rPr lang="zh-CN" altLang="en-US" smtClean="0"/>
-              <a:t>2022/12/30</a:t>
+              <a:t>2023/1/12</a:t>
             </a:fld>
             <a:endParaRPr lang="zh-CN" altLang="en-US"/>
           </a:p>
@@ -16443,7 +16443,7 @@
           <a:p>
             <a:fld id="{D997B5FA-0921-464F-AAE1-844C04324D75}" type="datetimeFigureOut">
               <a:rPr lang="zh-CN" altLang="en-US" smtClean="0"/>
-              <a:t>2022/12/30</a:t>
+              <a:t>2023/1/12</a:t>
             </a:fld>
             <a:endParaRPr lang="zh-CN" altLang="en-US"/>
           </a:p>
@@ -16649,7 +16649,7 @@
           <a:p>
             <a:fld id="{D997B5FA-0921-464F-AAE1-844C04324D75}" type="datetimeFigureOut">
               <a:rPr lang="zh-CN" altLang="en-US" smtClean="0"/>
-              <a:t>2022/12/30</a:t>
+              <a:t>2023/1/12</a:t>
             </a:fld>
             <a:endParaRPr lang="zh-CN" altLang="en-US"/>
           </a:p>
@@ -17196,7 +17196,7 @@
           <a:p>
             <a:fld id="{760FBDFE-C587-4B4C-A407-44438C67B59E}" type="datetimeFigureOut">
               <a:rPr lang="zh-CN" altLang="en-US" smtClean="0"/>
-              <a:t>2022/12/30</a:t>
+              <a:t>2023/1/12</a:t>
             </a:fld>
             <a:endParaRPr lang="zh-CN" altLang="en-US"/>
           </a:p>
@@ -17979,8 +17979,8 @@
         </p:nvSpPr>
         <p:spPr>
           <a:xfrm>
-            <a:off x="7533005" y="3106420"/>
-            <a:ext cx="2960370" cy="645160"/>
+            <a:off x="7467017" y="3105834"/>
+            <a:ext cx="3204125" cy="646331"/>
           </a:xfrm>
           <a:prstGeom prst="rect">
             <a:avLst/>
@@ -18121,7 +18121,7 @@
                 <a:ea typeface="宋体" panose="02010600030101010101" pitchFamily="2" charset="-122"/>
                 <a:cs typeface="Consolas" panose="020B0609020204030204" charset="0"/>
               </a:rPr>
-              <a:t> wage </a:t>
+              <a:t> salary </a:t>
             </a:r>
             <a:r>
               <a:rPr lang="en-US" b="1">
@@ -19921,9 +19921,10 @@
           <a:lstStyle/>
           <a:p>
             <a:r>
-              <a:rPr lang="zh-CN" altLang="en-US"/>
-              <a:t>转义字符</a:t>
-            </a:r>
+              <a:rPr lang="en-US" altLang="zh-CN"/>
+              <a:t>printf()</a:t>
+            </a:r>
+            <a:endParaRPr lang="zh-CN" altLang="en-US"/>
           </a:p>
         </p:txBody>
       </p:sp>
@@ -27588,8 +27589,8 @@
           </a:p>
         </p:txBody>
       </p:sp>
-      <mc:AlternateContent xmlns:mc="http://schemas.openxmlformats.org/markup-compatibility/2006">
-        <mc:Choice xmlns:a14="http://schemas.microsoft.com/office/drawing/2010/main" Requires="a14">
+      <mc:AlternateContent xmlns:mc="http://schemas.openxmlformats.org/markup-compatibility/2006" xmlns:a14="http://schemas.microsoft.com/office/drawing/2010/main">
+        <mc:Choice Requires="a14">
           <p:sp>
             <p:nvSpPr>
               <p:cNvPr id="6" name="文本占位符 5"/>
@@ -27692,7 +27693,7 @@
             </p:txBody>
           </p:sp>
         </mc:Choice>
-        <mc:Fallback>
+        <mc:Fallback xmlns="">
           <p:sp>
             <p:nvSpPr>
               <p:cNvPr id="6" name="文本占位符 5"/>
@@ -27702,7 +27703,7 @@
               <p:nvPr>
                 <p:ph type="body" sz="quarter" idx="15"/>
                 <p:custDataLst>
-                  <p:tags r:id="rId3"/>
+                  <p:tags r:id="rId8"/>
                 </p:custDataLst>
               </p:nvPr>
             </p:nvSpPr>
@@ -27712,7 +27713,7 @@
                 <a:ext cx="3137535" cy="1116330"/>
               </a:xfrm>
               <a:blipFill>
-                <a:blip r:embed="rId8"/>
+                <a:blip r:embed="rId9"/>
                 <a:stretch>
                   <a:fillRect/>
                 </a:stretch>
@@ -28887,8 +28888,8 @@
           </a:graphicData>
         </a:graphic>
       </p:graphicFrame>
-      <mc:AlternateContent xmlns:mc="http://schemas.openxmlformats.org/markup-compatibility/2006">
-        <mc:Choice xmlns:a14="http://schemas.microsoft.com/office/drawing/2010/main" Requires="a14">
+      <mc:AlternateContent xmlns:mc="http://schemas.openxmlformats.org/markup-compatibility/2006" xmlns:a14="http://schemas.microsoft.com/office/drawing/2010/main">
+        <mc:Choice Requires="a14">
           <p:sp>
             <p:nvSpPr>
               <p:cNvPr id="2" name="文本占位符 5"/>
@@ -29258,11 +29259,11 @@
                             </m:sup>
                           </m:sSup>
                           <m:r>
-                            <a:rPr lang="en-US" i="1">
-                              <a:latin typeface="Cambria Math" panose="02040503050406030204" charset="0"/>
+                            <a:rPr lang="en-US" b="0" i="1" smtClean="0">
+                              <a:latin typeface="Cambria Math" panose="02040503050406030204" pitchFamily="18" charset="0"/>
                               <a:cs typeface="Cambria Math" panose="02040503050406030204" charset="0"/>
                             </a:rPr>
-                            <m:t>−</m:t>
+                            <m:t>+</m:t>
                           </m:r>
                           <m:sSup>
                             <m:sSupPr>
@@ -29375,7 +29376,7 @@
             </p:txBody>
           </p:sp>
         </mc:Choice>
-        <mc:Fallback>
+        <mc:Fallback xmlns="">
           <p:sp>
             <p:nvSpPr>
               <p:cNvPr id="2" name="文本占位符 5"/>
@@ -29384,7 +29385,7 @@
               </p:cNvSpPr>
               <p:nvPr>
                 <p:custDataLst>
-                  <p:tags r:id="rId4"/>
+                  <p:tags r:id="rId9"/>
                 </p:custDataLst>
               </p:nvPr>
             </p:nvSpPr>
@@ -29397,7 +29398,7 @@
                 <a:avLst/>
               </a:prstGeom>
               <a:blipFill>
-                <a:blip r:embed="rId9"/>
+                <a:blip r:embed="rId10"/>
                 <a:stretch>
                   <a:fillRect l="-884" r="-1767"/>
                 </a:stretch>
@@ -33567,10 +33568,15 @@
                 <p:custDataLst>
                   <p:tags r:id="rId3"/>
                 </p:custDataLst>
+                <p:extLst>
+                  <p:ext uri="{D42A27DB-BD31-4B8C-83A1-F6EECF244321}">
+                    <p14:modId xmlns:p14="http://schemas.microsoft.com/office/powerpoint/2010/main" val="3856710973"/>
+                  </p:ext>
+                </p:extLst>
               </p:nvPr>
             </p:nvGraphicFramePr>
             <p:xfrm>
-              <a:off x="1582420" y="1700530"/>
+              <a:off x="1544713" y="2143590"/>
               <a:ext cx="8772525" cy="3948430"/>
             </p:xfrm>
             <a:graphic>
@@ -34434,94 +34440,20 @@
                           <a:pPr algn="ctr">
                             <a:buNone/>
                           </a:pPr>
-                          <a14:m>
-                            <m:oMathPara xmlns:m="http://schemas.openxmlformats.org/officeDocument/2006/math">
-                              <m:oMathParaPr>
-                                <m:jc m:val="centerGroup"/>
-                              </m:oMathParaPr>
-                              <m:oMath xmlns:m="http://schemas.openxmlformats.org/officeDocument/2006/math">
-                                <m:sSup>
-                                  <m:sSupPr>
-                                    <m:ctrlPr>
-                                      <a:rPr lang="en-US" altLang="zh-CN" sz="1800" i="1">
-                                        <a:latin typeface="Cambria Math" panose="02040503050406030204" pitchFamily="18" charset="0"/>
-                                        <a:cs typeface="Cambria Math" panose="02040503050406030204" charset="0"/>
-                                      </a:rPr>
-                                    </m:ctrlPr>
-                                  </m:sSupPr>
-                                  <m:e>
-                                    <m:r>
-                                      <a:rPr lang="en-US" altLang="zh-CN" sz="1800" i="1">
-                                        <a:latin typeface="Cambria Math" panose="02040503050406030204" charset="0"/>
-                                        <a:ea typeface="MS Mincho" charset="0"/>
-                                        <a:cs typeface="Cambria Math" panose="02040503050406030204" charset="0"/>
-                                      </a:rPr>
-                                      <m:t>1.2×10</m:t>
-                                    </m:r>
-                                  </m:e>
-                                  <m:sup>
-                                    <m:r>
-                                      <a:rPr lang="en-US" altLang="zh-CN" sz="1800" i="1">
-                                        <a:latin typeface="Cambria Math" panose="02040503050406030204" charset="0"/>
-                                        <a:cs typeface="Cambria Math" panose="02040503050406030204" charset="0"/>
-                                      </a:rPr>
-                                      <m:t>−</m:t>
-                                    </m:r>
-                                    <m:r>
-                                      <a:rPr lang="en-US" altLang="zh-CN" sz="1800" i="1">
-                                        <a:latin typeface="Cambria Math" panose="02040503050406030204" charset="0"/>
-                                        <a:ea typeface="MS Mincho" charset="0"/>
-                                        <a:cs typeface="Cambria Math" panose="02040503050406030204" charset="0"/>
-                                      </a:rPr>
-                                      <m:t>38</m:t>
-                                    </m:r>
-                                  </m:sup>
-                                </m:sSup>
-                                <m:r>
-                                  <a:rPr lang="en-US" altLang="zh-CN" sz="1800" i="1">
-                                    <a:latin typeface="Cambria Math" panose="02040503050406030204" charset="0"/>
-                                    <a:ea typeface="MS Mincho" charset="0"/>
-                                    <a:cs typeface="Cambria Math" panose="02040503050406030204" charset="0"/>
-                                  </a:rPr>
-                                  <m:t>~3.4×</m:t>
-                                </m:r>
-                                <m:sSup>
-                                  <m:sSupPr>
-                                    <m:ctrlPr>
-                                      <a:rPr lang="en-US" altLang="zh-CN" sz="1800" i="1">
-                                        <a:latin typeface="Cambria Math" panose="02040503050406030204" pitchFamily="18" charset="0"/>
-                                        <a:cs typeface="Cambria Math" panose="02040503050406030204" charset="0"/>
-                                      </a:rPr>
-                                    </m:ctrlPr>
-                                  </m:sSupPr>
-                                  <m:e>
-                                    <m:r>
-                                      <a:rPr lang="en-US" altLang="zh-CN" sz="1800" i="1">
-                                        <a:latin typeface="Cambria Math" panose="02040503050406030204" charset="0"/>
-                                        <a:ea typeface="MS Mincho" charset="0"/>
-                                        <a:cs typeface="Cambria Math" panose="02040503050406030204" charset="0"/>
-                                      </a:rPr>
-                                      <m:t>10</m:t>
-                                    </m:r>
-                                  </m:e>
-                                  <m:sup>
-                                    <m:r>
-                                      <a:rPr lang="en-US" altLang="zh-CN" sz="1800" i="1">
-                                        <a:latin typeface="Cambria Math" panose="02040503050406030204" charset="0"/>
-                                        <a:ea typeface="MS Mincho" charset="0"/>
-                                        <a:cs typeface="Cambria Math" panose="02040503050406030204" charset="0"/>
-                                      </a:rPr>
-                                      <m:t>38</m:t>
-                                    </m:r>
-                                  </m:sup>
-                                </m:sSup>
-                              </m:oMath>
-                            </m:oMathPara>
-                          </a14:m>
-                          <a:endParaRPr lang="zh-CN" altLang="en-US">
-                            <a:latin typeface="Arial" panose="020B0604020202020204" pitchFamily="34" charset="0"/>
-                            <a:cs typeface="Arial" panose="020B0604020202020204" pitchFamily="34" charset="0"/>
-                          </a:endParaRPr>
+                          <a:r>
+                            <a:rPr lang="en-US" altLang="zh-CN">
+                              <a:latin typeface="Arial" panose="020B0604020202020204" pitchFamily="34" charset="0"/>
+                              <a:cs typeface="Arial" panose="020B0604020202020204" pitchFamily="34" charset="0"/>
+                            </a:rPr>
+                            <a:t>7</a:t>
+                          </a:r>
+                          <a:r>
+                            <a:rPr lang="zh-CN" altLang="en-US">
+                              <a:latin typeface="Arial" panose="020B0604020202020204" pitchFamily="34" charset="0"/>
+                              <a:cs typeface="Arial" panose="020B0604020202020204" pitchFamily="34" charset="0"/>
+                            </a:rPr>
+                            <a:t>位有效数字</a:t>
+                          </a:r>
                         </a:p>
                       </a:txBody>
                       <a:tcPr anchor="ctr" anchorCtr="1"/>
@@ -34596,87 +34528,20 @@
                           <a:pPr algn="ctr">
                             <a:buNone/>
                           </a:pPr>
-                          <a14:m>
-                            <m:oMathPara xmlns:m="http://schemas.openxmlformats.org/officeDocument/2006/math">
-                              <m:oMathParaPr>
-                                <m:jc m:val="centerGroup"/>
-                              </m:oMathParaPr>
-                              <m:oMath xmlns:m="http://schemas.openxmlformats.org/officeDocument/2006/math">
-                                <m:sSup>
-                                  <m:sSupPr>
-                                    <m:ctrlPr>
-                                      <a:rPr lang="en-US" altLang="zh-CN" sz="1800" i="1">
-                                        <a:latin typeface="Cambria Math" panose="02040503050406030204" pitchFamily="18" charset="0"/>
-                                        <a:cs typeface="Cambria Math" panose="02040503050406030204" charset="0"/>
-                                      </a:rPr>
-                                    </m:ctrlPr>
-                                  </m:sSupPr>
-                                  <m:e>
-                                    <m:r>
-                                      <a:rPr lang="en-US" altLang="zh-CN" sz="1800" i="1">
-                                        <a:latin typeface="Cambria Math" panose="02040503050406030204" charset="0"/>
-                                        <a:ea typeface="MS Mincho" charset="0"/>
-                                        <a:cs typeface="Cambria Math" panose="02040503050406030204" charset="0"/>
-                                      </a:rPr>
-                                      <m:t>2.3×10</m:t>
-                                    </m:r>
-                                  </m:e>
-                                  <m:sup>
-                                    <m:r>
-                                      <a:rPr lang="en-US" altLang="zh-CN" sz="1800" i="1">
-                                        <a:latin typeface="Cambria Math" panose="02040503050406030204" charset="0"/>
-                                        <a:ea typeface="MS Mincho" charset="0"/>
-                                        <a:cs typeface="Cambria Math" panose="02040503050406030204" charset="0"/>
-                                      </a:rPr>
-                                      <m:t>−308</m:t>
-                                    </m:r>
-                                  </m:sup>
-                                </m:sSup>
-                                <m:r>
-                                  <a:rPr lang="en-US" altLang="zh-CN" sz="1800" i="1">
-                                    <a:latin typeface="Cambria Math" panose="02040503050406030204" charset="0"/>
-                                    <a:ea typeface="MS Mincho" charset="0"/>
-                                    <a:cs typeface="Cambria Math" panose="02040503050406030204" charset="0"/>
-                                  </a:rPr>
-                                  <m:t>~1.7×</m:t>
-                                </m:r>
-                                <m:sSup>
-                                  <m:sSupPr>
-                                    <m:ctrlPr>
-                                      <a:rPr lang="en-US" altLang="zh-CN" sz="1800" i="1">
-                                        <a:latin typeface="Cambria Math" panose="02040503050406030204" pitchFamily="18" charset="0"/>
-                                        <a:cs typeface="Cambria Math" panose="02040503050406030204" charset="0"/>
-                                      </a:rPr>
-                                    </m:ctrlPr>
-                                  </m:sSupPr>
-                                  <m:e>
-                                    <m:r>
-                                      <a:rPr lang="en-US" altLang="zh-CN" sz="1800" i="1">
-                                        <a:latin typeface="Cambria Math" panose="02040503050406030204" charset="0"/>
-                                        <a:ea typeface="MS Mincho" charset="0"/>
-                                        <a:cs typeface="Cambria Math" panose="02040503050406030204" charset="0"/>
-                                      </a:rPr>
-                                      <m:t>10</m:t>
-                                    </m:r>
-                                  </m:e>
-                                  <m:sup>
-                                    <m:r>
-                                      <a:rPr lang="en-US" altLang="zh-CN" sz="1800" i="1">
-                                        <a:latin typeface="Cambria Math" panose="02040503050406030204" charset="0"/>
-                                        <a:ea typeface="MS Mincho" charset="0"/>
-                                        <a:cs typeface="Cambria Math" panose="02040503050406030204" charset="0"/>
-                                      </a:rPr>
-                                      <m:t>308</m:t>
-                                    </m:r>
-                                  </m:sup>
-                                </m:sSup>
-                              </m:oMath>
-                            </m:oMathPara>
-                          </a14:m>
-                          <a:endParaRPr lang="zh-CN" altLang="en-US">
-                            <a:latin typeface="Arial" panose="020B0604020202020204" pitchFamily="34" charset="0"/>
-                            <a:cs typeface="Arial" panose="020B0604020202020204" pitchFamily="34" charset="0"/>
-                          </a:endParaRPr>
+                          <a:r>
+                            <a:rPr lang="en-US" altLang="zh-CN">
+                              <a:latin typeface="Arial" panose="020B0604020202020204" pitchFamily="34" charset="0"/>
+                              <a:cs typeface="Arial" panose="020B0604020202020204" pitchFamily="34" charset="0"/>
+                            </a:rPr>
+                            <a:t>15</a:t>
+                          </a:r>
+                          <a:r>
+                            <a:rPr lang="zh-CN" altLang="en-US">
+                              <a:latin typeface="Arial" panose="020B0604020202020204" pitchFamily="34" charset="0"/>
+                              <a:cs typeface="Arial" panose="020B0604020202020204" pitchFamily="34" charset="0"/>
+                            </a:rPr>
+                            <a:t>位有效数字</a:t>
+                          </a:r>
                         </a:p>
                       </a:txBody>
                       <a:tcPr anchor="ctr" anchorCtr="1"/>
@@ -34809,12 +34674,17 @@
               <p:cNvGraphicFramePr/>
               <p:nvPr>
                 <p:custDataLst>
-                  <p:tags r:id="rId6"/>
+                  <p:tags r:id="rId7"/>
                 </p:custDataLst>
+                <p:extLst>
+                  <p:ext uri="{D42A27DB-BD31-4B8C-83A1-F6EECF244321}">
+                    <p14:modId xmlns:p14="http://schemas.microsoft.com/office/powerpoint/2010/main" val="3856710973"/>
+                  </p:ext>
+                </p:extLst>
               </p:nvPr>
             </p:nvGraphicFramePr>
             <p:xfrm>
-              <a:off x="1582420" y="1700530"/>
+              <a:off x="1544713" y="2143590"/>
               <a:ext cx="8772525" cy="3948430"/>
             </p:xfrm>
             <a:graphic>
@@ -34824,15 +34694,40 @@
                     <a:tableStyleId>{5C22544A-7EE6-4342-B048-85BDC9FD1C3A}</a:tableStyleId>
                   </a:tblPr>
                   <a:tblGrid>
-                    <a:gridCol w="1598295"/>
-                    <a:gridCol w="1993265"/>
-                    <a:gridCol w="1807845"/>
-                    <a:gridCol w="3373120"/>
+                    <a:gridCol w="1598295">
+                      <a:extLst>
+                        <a:ext uri="{9D8B030D-6E8A-4147-A177-3AD203B41FA5}">
+                          <a16:colId xmlns:a16="http://schemas.microsoft.com/office/drawing/2014/main" val="20000"/>
+                        </a:ext>
+                      </a:extLst>
+                    </a:gridCol>
+                    <a:gridCol w="1993265">
+                      <a:extLst>
+                        <a:ext uri="{9D8B030D-6E8A-4147-A177-3AD203B41FA5}">
+                          <a16:colId xmlns:a16="http://schemas.microsoft.com/office/drawing/2014/main" val="20001"/>
+                        </a:ext>
+                      </a:extLst>
+                    </a:gridCol>
+                    <a:gridCol w="1807845">
+                      <a:extLst>
+                        <a:ext uri="{9D8B030D-6E8A-4147-A177-3AD203B41FA5}">
+                          <a16:colId xmlns:a16="http://schemas.microsoft.com/office/drawing/2014/main" val="20002"/>
+                        </a:ext>
+                      </a:extLst>
+                    </a:gridCol>
+                    <a:gridCol w="3373120">
+                      <a:extLst>
+                        <a:ext uri="{9D8B030D-6E8A-4147-A177-3AD203B41FA5}">
+                          <a16:colId xmlns:a16="http://schemas.microsoft.com/office/drawing/2014/main" val="20003"/>
+                        </a:ext>
+                      </a:extLst>
+                    </a:gridCol>
                   </a:tblGrid>
                   <a:tr h="506730">
                     <a:tc>
                       <a:txBody>
                         <a:bodyPr/>
+                        <a:lstStyle/>
                         <a:p>
                           <a:pPr algn="ctr">
                             <a:buNone/>
@@ -34843,9 +34738,6 @@
                             </a:rPr>
                             <a:t>类别</a:t>
                           </a:r>
-                          <a:endParaRPr lang="zh-CN" altLang="en-US">
-                            <a:latin typeface="Arial" panose="020B0604020202020204" pitchFamily="34" charset="0"/>
-                          </a:endParaRPr>
                         </a:p>
                       </a:txBody>
                       <a:tcPr anchor="ctr" anchorCtr="1"/>
@@ -34853,6 +34745,7 @@
                     <a:tc>
                       <a:txBody>
                         <a:bodyPr/>
+                        <a:lstStyle/>
                         <a:p>
                           <a:pPr algn="ctr">
                             <a:buNone/>
@@ -34863,9 +34756,6 @@
                             </a:rPr>
                             <a:t>数据类型</a:t>
                           </a:r>
-                          <a:endParaRPr lang="zh-CN" altLang="en-US">
-                            <a:latin typeface="Arial" panose="020B0604020202020204" pitchFamily="34" charset="0"/>
-                          </a:endParaRPr>
                         </a:p>
                       </a:txBody>
                       <a:tcPr anchor="ctr" anchorCtr="1"/>
@@ -34873,6 +34763,7 @@
                     <a:tc>
                       <a:txBody>
                         <a:bodyPr/>
+                        <a:lstStyle/>
                         <a:p>
                           <a:pPr algn="ctr">
                             <a:buNone/>
@@ -34883,9 +34774,6 @@
                             </a:rPr>
                             <a:t>大小</a:t>
                           </a:r>
-                          <a:endParaRPr lang="zh-CN" altLang="en-US">
-                            <a:latin typeface="Arial" panose="020B0604020202020204" pitchFamily="34" charset="0"/>
-                          </a:endParaRPr>
                         </a:p>
                       </a:txBody>
                       <a:tcPr anchor="ctr" anchorCtr="1"/>
@@ -34893,6 +34781,7 @@
                     <a:tc>
                       <a:txBody>
                         <a:bodyPr/>
+                        <a:lstStyle/>
                         <a:p>
                           <a:pPr algn="ctr">
                             <a:buNone/>
@@ -34903,18 +34792,21 @@
                             </a:rPr>
                             <a:t>取值范围</a:t>
                           </a:r>
-                          <a:endParaRPr lang="zh-CN" altLang="en-US">
-                            <a:latin typeface="Arial" panose="020B0604020202020204" pitchFamily="34" charset="0"/>
-                          </a:endParaRPr>
                         </a:p>
                       </a:txBody>
                       <a:tcPr anchor="ctr" anchorCtr="1"/>
                     </a:tc>
+                    <a:extLst>
+                      <a:ext uri="{0D108BD9-81ED-4DB2-BD59-A6C34878D82A}">
+                        <a16:rowId xmlns:a16="http://schemas.microsoft.com/office/drawing/2014/main" val="10000"/>
+                      </a:ext>
+                    </a:extLst>
                   </a:tr>
                   <a:tr h="405130">
                     <a:tc rowSpan="4">
                       <a:txBody>
                         <a:bodyPr/>
+                        <a:lstStyle/>
                         <a:p>
                           <a:pPr algn="ctr">
                             <a:buNone/>
@@ -34925,9 +34817,6 @@
                             </a:rPr>
                             <a:t>整型</a:t>
                           </a:r>
-                          <a:endParaRPr lang="zh-CN" altLang="en-US">
-                            <a:latin typeface="Arial" panose="020B0604020202020204" pitchFamily="34" charset="0"/>
-                          </a:endParaRPr>
                         </a:p>
                       </a:txBody>
                       <a:tcPr anchor="ctr" anchorCtr="1"/>
@@ -34935,6 +34824,7 @@
                     <a:tc>
                       <a:txBody>
                         <a:bodyPr/>
+                        <a:lstStyle/>
                         <a:p>
                           <a:pPr algn="ctr">
                             <a:buNone/>
@@ -34946,10 +34836,6 @@
                             </a:rPr>
                             <a:t>short</a:t>
                           </a:r>
-                          <a:endParaRPr lang="en-US" altLang="zh-CN">
-                            <a:latin typeface="Arial" panose="020B0604020202020204" pitchFamily="34" charset="0"/>
-                            <a:cs typeface="Arial" panose="020B0604020202020204" pitchFamily="34" charset="0"/>
-                          </a:endParaRPr>
                         </a:p>
                       </a:txBody>
                       <a:tcPr anchor="ctr" anchorCtr="1"/>
@@ -34957,6 +34843,7 @@
                     <a:tc>
                       <a:txBody>
                         <a:bodyPr/>
+                        <a:lstStyle/>
                         <a:p>
                           <a:pPr algn="ctr">
                             <a:buNone/>
@@ -34975,10 +34862,6 @@
                             </a:rPr>
                             <a:t>字节</a:t>
                           </a:r>
-                          <a:endParaRPr lang="zh-CN" altLang="en-US">
-                            <a:latin typeface="Arial" panose="020B0604020202020204" pitchFamily="34" charset="0"/>
-                            <a:cs typeface="Arial" panose="020B0604020202020204" pitchFamily="34" charset="0"/>
-                          </a:endParaRPr>
                         </a:p>
                       </a:txBody>
                       <a:tcPr anchor="ctr" anchorCtr="1"/>
@@ -34993,18 +34876,34 @@
                       </a:txBody>
                       <a:tcPr anchor="ctr" anchorCtr="1">
                         <a:blipFill>
-                          <a:blip r:embed="rId7"/>
+                          <a:blip r:embed="rId8"/>
+                          <a:stretch>
+                            <a:fillRect l="-160108" t="-125373" r="-722" b="-762687"/>
+                          </a:stretch>
                         </a:blipFill>
                       </a:tcPr>
                     </a:tc>
+                    <a:extLst>
+                      <a:ext uri="{0D108BD9-81ED-4DB2-BD59-A6C34878D82A}">
+                        <a16:rowId xmlns:a16="http://schemas.microsoft.com/office/drawing/2014/main" val="10001"/>
+                      </a:ext>
+                    </a:extLst>
                   </a:tr>
                   <a:tr h="405765">
                     <a:tc vMerge="1">
+                      <a:txBody>
+                        <a:bodyPr/>
+                        <a:lstStyle/>
+                        <a:p>
+                          <a:endParaRPr lang="zh-CN"/>
+                        </a:p>
+                      </a:txBody>
                       <a:tcPr/>
                     </a:tc>
                     <a:tc>
                       <a:txBody>
                         <a:bodyPr/>
+                        <a:lstStyle/>
                         <a:p>
                           <a:pPr algn="ctr">
                             <a:buNone/>
@@ -35016,10 +34915,6 @@
                             </a:rPr>
                             <a:t>int</a:t>
                           </a:r>
-                          <a:endParaRPr lang="en-US" altLang="zh-CN">
-                            <a:latin typeface="Arial" panose="020B0604020202020204" pitchFamily="34" charset="0"/>
-                            <a:cs typeface="Arial" panose="020B0604020202020204" pitchFamily="34" charset="0"/>
-                          </a:endParaRPr>
                         </a:p>
                       </a:txBody>
                       <a:tcPr anchor="ctr" anchorCtr="1"/>
@@ -35027,6 +34922,7 @@
                     <a:tc>
                       <a:txBody>
                         <a:bodyPr/>
+                        <a:lstStyle/>
                         <a:p>
                           <a:pPr algn="ctr">
                             <a:buNone/>
@@ -35045,10 +34941,6 @@
                             </a:rPr>
                             <a:t>字节</a:t>
                           </a:r>
-                          <a:endParaRPr lang="zh-CN" altLang="en-US">
-                            <a:latin typeface="Arial" panose="020B0604020202020204" pitchFamily="34" charset="0"/>
-                            <a:cs typeface="Arial" panose="020B0604020202020204" pitchFamily="34" charset="0"/>
-                          </a:endParaRPr>
                         </a:p>
                       </a:txBody>
                       <a:tcPr anchor="ctr" anchorCtr="1"/>
@@ -35063,18 +34955,34 @@
                       </a:txBody>
                       <a:tcPr anchor="ctr" anchorCtr="1">
                         <a:blipFill>
-                          <a:blip r:embed="rId7"/>
+                          <a:blip r:embed="rId8"/>
+                          <a:stretch>
+                            <a:fillRect l="-160108" t="-225373" r="-722" b="-662687"/>
+                          </a:stretch>
                         </a:blipFill>
                       </a:tcPr>
                     </a:tc>
+                    <a:extLst>
+                      <a:ext uri="{0D108BD9-81ED-4DB2-BD59-A6C34878D82A}">
+                        <a16:rowId xmlns:a16="http://schemas.microsoft.com/office/drawing/2014/main" val="10002"/>
+                      </a:ext>
+                    </a:extLst>
                   </a:tr>
                   <a:tr h="405765">
                     <a:tc vMerge="1">
+                      <a:txBody>
+                        <a:bodyPr/>
+                        <a:lstStyle/>
+                        <a:p>
+                          <a:endParaRPr lang="zh-CN"/>
+                        </a:p>
+                      </a:txBody>
                       <a:tcPr/>
                     </a:tc>
                     <a:tc>
                       <a:txBody>
                         <a:bodyPr/>
+                        <a:lstStyle/>
                         <a:p>
                           <a:pPr algn="ctr">
                             <a:buNone/>
@@ -35086,10 +34994,6 @@
                             </a:rPr>
                             <a:t>long</a:t>
                           </a:r>
-                          <a:endParaRPr lang="en-US" altLang="zh-CN">
-                            <a:latin typeface="Arial" panose="020B0604020202020204" pitchFamily="34" charset="0"/>
-                            <a:cs typeface="Arial" panose="020B0604020202020204" pitchFamily="34" charset="0"/>
-                          </a:endParaRPr>
                         </a:p>
                       </a:txBody>
                       <a:tcPr anchor="ctr" anchorCtr="1"/>
@@ -35097,6 +35001,7 @@
                     <a:tc>
                       <a:txBody>
                         <a:bodyPr/>
+                        <a:lstStyle/>
                         <a:p>
                           <a:pPr algn="ctr">
                             <a:buNone/>
@@ -35115,10 +35020,6 @@
                             </a:rPr>
                             <a:t>字节</a:t>
                           </a:r>
-                          <a:endParaRPr lang="zh-CN" altLang="en-US">
-                            <a:latin typeface="Arial" panose="020B0604020202020204" pitchFamily="34" charset="0"/>
-                            <a:cs typeface="Arial" panose="020B0604020202020204" pitchFamily="34" charset="0"/>
-                          </a:endParaRPr>
                         </a:p>
                       </a:txBody>
                       <a:tcPr anchor="ctr" anchorCtr="1"/>
@@ -35133,18 +35034,34 @@
                       </a:txBody>
                       <a:tcPr anchor="ctr" anchorCtr="1">
                         <a:blipFill>
-                          <a:blip r:embed="rId7"/>
+                          <a:blip r:embed="rId8"/>
+                          <a:stretch>
+                            <a:fillRect l="-160108" t="-330303" r="-722" b="-572727"/>
+                          </a:stretch>
                         </a:blipFill>
                       </a:tcPr>
                     </a:tc>
+                    <a:extLst>
+                      <a:ext uri="{0D108BD9-81ED-4DB2-BD59-A6C34878D82A}">
+                        <a16:rowId xmlns:a16="http://schemas.microsoft.com/office/drawing/2014/main" val="10003"/>
+                      </a:ext>
+                    </a:extLst>
                   </a:tr>
                   <a:tr h="405130">
                     <a:tc vMerge="1">
+                      <a:txBody>
+                        <a:bodyPr/>
+                        <a:lstStyle/>
+                        <a:p>
+                          <a:endParaRPr lang="zh-CN"/>
+                        </a:p>
+                      </a:txBody>
                       <a:tcPr/>
                     </a:tc>
                     <a:tc>
                       <a:txBody>
                         <a:bodyPr/>
+                        <a:lstStyle/>
                         <a:p>
                           <a:pPr algn="ctr">
                             <a:buNone/>
@@ -35156,10 +35073,6 @@
                             </a:rPr>
                             <a:t>long long</a:t>
                           </a:r>
-                          <a:endParaRPr lang="en-US" altLang="zh-CN">
-                            <a:latin typeface="Arial" panose="020B0604020202020204" pitchFamily="34" charset="0"/>
-                            <a:cs typeface="Arial" panose="020B0604020202020204" pitchFamily="34" charset="0"/>
-                          </a:endParaRPr>
                         </a:p>
                       </a:txBody>
                       <a:tcPr anchor="ctr" anchorCtr="1"/>
@@ -35167,6 +35080,7 @@
                     <a:tc>
                       <a:txBody>
                         <a:bodyPr/>
+                        <a:lstStyle/>
                         <a:p>
                           <a:pPr algn="ctr">
                             <a:buNone/>
@@ -35185,10 +35099,6 @@
                             </a:rPr>
                             <a:t>字节</a:t>
                           </a:r>
-                          <a:endParaRPr lang="zh-CN" altLang="en-US">
-                            <a:latin typeface="Arial" panose="020B0604020202020204" pitchFamily="34" charset="0"/>
-                            <a:cs typeface="Arial" panose="020B0604020202020204" pitchFamily="34" charset="0"/>
-                          </a:endParaRPr>
                         </a:p>
                       </a:txBody>
                       <a:tcPr anchor="ctr" anchorCtr="1"/>
@@ -35203,15 +35113,24 @@
                       </a:txBody>
                       <a:tcPr anchor="ctr" anchorCtr="1">
                         <a:blipFill>
-                          <a:blip r:embed="rId7"/>
+                          <a:blip r:embed="rId8"/>
+                          <a:stretch>
+                            <a:fillRect l="-160108" t="-423881" r="-722" b="-464179"/>
+                          </a:stretch>
                         </a:blipFill>
                       </a:tcPr>
                     </a:tc>
+                    <a:extLst>
+                      <a:ext uri="{0D108BD9-81ED-4DB2-BD59-A6C34878D82A}">
+                        <a16:rowId xmlns:a16="http://schemas.microsoft.com/office/drawing/2014/main" val="10004"/>
+                      </a:ext>
+                    </a:extLst>
                   </a:tr>
                   <a:tr h="707390">
                     <a:tc rowSpan="2">
                       <a:txBody>
                         <a:bodyPr/>
+                        <a:lstStyle/>
                         <a:p>
                           <a:pPr algn="ctr">
                             <a:buNone/>
@@ -35222,9 +35141,6 @@
                             </a:rPr>
                             <a:t>浮点型</a:t>
                           </a:r>
-                          <a:endParaRPr lang="zh-CN" altLang="en-US">
-                            <a:latin typeface="Arial" panose="020B0604020202020204" pitchFamily="34" charset="0"/>
-                          </a:endParaRPr>
                         </a:p>
                       </a:txBody>
                       <a:tcPr anchor="ctr" anchorCtr="1"/>
@@ -35232,6 +35148,7 @@
                     <a:tc>
                       <a:txBody>
                         <a:bodyPr/>
+                        <a:lstStyle/>
                         <a:p>
                           <a:pPr algn="ctr">
                             <a:buNone/>
@@ -35243,10 +35160,6 @@
                             </a:rPr>
                             <a:t>float</a:t>
                           </a:r>
-                          <a:endParaRPr lang="en-US" altLang="zh-CN">
-                            <a:latin typeface="Arial" panose="020B0604020202020204" pitchFamily="34" charset="0"/>
-                            <a:cs typeface="Arial" panose="020B0604020202020204" pitchFamily="34" charset="0"/>
-                          </a:endParaRPr>
                         </a:p>
                       </a:txBody>
                       <a:tcPr anchor="ctr" anchorCtr="1"/>
@@ -35254,6 +35167,7 @@
                     <a:tc>
                       <a:txBody>
                         <a:bodyPr/>
+                        <a:lstStyle/>
                         <a:p>
                           <a:pPr algn="ctr">
                             <a:buNone/>
@@ -35272,10 +35186,6 @@
                             </a:rPr>
                             <a:t>字节</a:t>
                           </a:r>
-                          <a:endParaRPr lang="zh-CN" altLang="en-US">
-                            <a:latin typeface="Arial" panose="020B0604020202020204" pitchFamily="34" charset="0"/>
-                            <a:cs typeface="Arial" panose="020B0604020202020204" pitchFamily="34" charset="0"/>
-                          </a:endParaRPr>
                         </a:p>
                       </a:txBody>
                       <a:tcPr anchor="ctr" anchorCtr="1"/>
@@ -35285,23 +35195,48 @@
                         <a:bodyPr/>
                         <a:lstStyle/>
                         <a:p>
+                          <a:pPr algn="ctr">
+                            <a:buNone/>
+                          </a:pPr>
+                          <a:r>
+                            <a:rPr lang="en-US" altLang="zh-CN">
+                              <a:latin typeface="Arial" panose="020B0604020202020204" pitchFamily="34" charset="0"/>
+                              <a:cs typeface="Arial" panose="020B0604020202020204" pitchFamily="34" charset="0"/>
+                            </a:rPr>
+                            <a:t>7</a:t>
+                          </a:r>
+                          <a:r>
+                            <a:rPr lang="zh-CN" altLang="en-US">
+                              <a:latin typeface="Arial" panose="020B0604020202020204" pitchFamily="34" charset="0"/>
+                              <a:cs typeface="Arial" panose="020B0604020202020204" pitchFamily="34" charset="0"/>
+                            </a:rPr>
+                            <a:t>位有效数字</a:t>
+                          </a:r>
+                        </a:p>
+                      </a:txBody>
+                      <a:tcPr anchor="ctr" anchorCtr="1"/>
+                    </a:tc>
+                    <a:extLst>
+                      <a:ext uri="{0D108BD9-81ED-4DB2-BD59-A6C34878D82A}">
+                        <a16:rowId xmlns:a16="http://schemas.microsoft.com/office/drawing/2014/main" val="10005"/>
+                      </a:ext>
+                    </a:extLst>
+                  </a:tr>
+                  <a:tr h="706755">
+                    <a:tc vMerge="1">
+                      <a:txBody>
+                        <a:bodyPr/>
+                        <a:lstStyle/>
+                        <a:p>
                           <a:endParaRPr lang="zh-CN"/>
                         </a:p>
                       </a:txBody>
-                      <a:tcPr anchor="ctr" anchorCtr="1">
-                        <a:blipFill>
-                          <a:blip r:embed="rId7"/>
-                        </a:blipFill>
-                      </a:tcPr>
-                    </a:tc>
-                  </a:tr>
-                  <a:tr h="706755">
-                    <a:tc vMerge="1">
                       <a:tcPr/>
                     </a:tc>
                     <a:tc>
                       <a:txBody>
                         <a:bodyPr/>
+                        <a:lstStyle/>
                         <a:p>
                           <a:pPr algn="ctr">
                             <a:buNone/>
@@ -35313,10 +35248,6 @@
                             </a:rPr>
                             <a:t>double</a:t>
                           </a:r>
-                          <a:endParaRPr lang="en-US" altLang="zh-CN">
-                            <a:latin typeface="Arial" panose="020B0604020202020204" pitchFamily="34" charset="0"/>
-                            <a:cs typeface="Arial" panose="020B0604020202020204" pitchFamily="34" charset="0"/>
-                          </a:endParaRPr>
                         </a:p>
                       </a:txBody>
                       <a:tcPr anchor="ctr" anchorCtr="1"/>
@@ -35324,6 +35255,7 @@
                     <a:tc>
                       <a:txBody>
                         <a:bodyPr/>
+                        <a:lstStyle/>
                         <a:p>
                           <a:pPr algn="ctr">
                             <a:buNone/>
@@ -35342,10 +35274,6 @@
                             </a:rPr>
                             <a:t>字节</a:t>
                           </a:r>
-                          <a:endParaRPr lang="zh-CN" altLang="en-US">
-                            <a:latin typeface="Arial" panose="020B0604020202020204" pitchFamily="34" charset="0"/>
-                            <a:cs typeface="Arial" panose="020B0604020202020204" pitchFamily="34" charset="0"/>
-                          </a:endParaRPr>
                         </a:p>
                       </a:txBody>
                       <a:tcPr anchor="ctr" anchorCtr="1"/>
@@ -35355,20 +35283,38 @@
                         <a:bodyPr/>
                         <a:lstStyle/>
                         <a:p>
-                          <a:endParaRPr lang="zh-CN"/>
+                          <a:pPr algn="ctr">
+                            <a:buNone/>
+                          </a:pPr>
+                          <a:r>
+                            <a:rPr lang="en-US" altLang="zh-CN">
+                              <a:latin typeface="Arial" panose="020B0604020202020204" pitchFamily="34" charset="0"/>
+                              <a:cs typeface="Arial" panose="020B0604020202020204" pitchFamily="34" charset="0"/>
+                            </a:rPr>
+                            <a:t>15</a:t>
+                          </a:r>
+                          <a:r>
+                            <a:rPr lang="zh-CN" altLang="en-US">
+                              <a:latin typeface="Arial" panose="020B0604020202020204" pitchFamily="34" charset="0"/>
+                              <a:cs typeface="Arial" panose="020B0604020202020204" pitchFamily="34" charset="0"/>
+                            </a:rPr>
+                            <a:t>位有效数字</a:t>
+                          </a:r>
                         </a:p>
                       </a:txBody>
-                      <a:tcPr anchor="ctr" anchorCtr="1">
-                        <a:blipFill>
-                          <a:blip r:embed="rId7"/>
-                        </a:blipFill>
-                      </a:tcPr>
+                      <a:tcPr anchor="ctr" anchorCtr="1"/>
                     </a:tc>
+                    <a:extLst>
+                      <a:ext uri="{0D108BD9-81ED-4DB2-BD59-A6C34878D82A}">
+                        <a16:rowId xmlns:a16="http://schemas.microsoft.com/office/drawing/2014/main" val="10006"/>
+                      </a:ext>
+                    </a:extLst>
                   </a:tr>
                   <a:tr h="405765">
                     <a:tc>
                       <a:txBody>
                         <a:bodyPr/>
+                        <a:lstStyle/>
                         <a:p>
                           <a:pPr algn="ctr">
                             <a:buNone/>
@@ -35379,9 +35325,6 @@
                             </a:rPr>
                             <a:t>字符型</a:t>
                           </a:r>
-                          <a:endParaRPr lang="zh-CN" altLang="en-US">
-                            <a:latin typeface="Arial" panose="020B0604020202020204" pitchFamily="34" charset="0"/>
-                          </a:endParaRPr>
                         </a:p>
                       </a:txBody>
                       <a:tcPr anchor="ctr" anchorCtr="1"/>
@@ -35389,6 +35332,7 @@
                     <a:tc>
                       <a:txBody>
                         <a:bodyPr/>
+                        <a:lstStyle/>
                         <a:p>
                           <a:pPr algn="ctr">
                             <a:buNone/>
@@ -35400,10 +35344,6 @@
                             </a:rPr>
                             <a:t>char</a:t>
                           </a:r>
-                          <a:endParaRPr lang="en-US" altLang="zh-CN">
-                            <a:latin typeface="Arial" panose="020B0604020202020204" pitchFamily="34" charset="0"/>
-                            <a:cs typeface="Arial" panose="020B0604020202020204" pitchFamily="34" charset="0"/>
-                          </a:endParaRPr>
                         </a:p>
                       </a:txBody>
                       <a:tcPr anchor="ctr" anchorCtr="1"/>
@@ -35411,6 +35351,7 @@
                     <a:tc>
                       <a:txBody>
                         <a:bodyPr/>
+                        <a:lstStyle/>
                         <a:p>
                           <a:pPr algn="ctr">
                             <a:buNone/>
@@ -35429,10 +35370,6 @@
                             </a:rPr>
                             <a:t>字节</a:t>
                           </a:r>
-                          <a:endParaRPr lang="zh-CN" altLang="en-US">
-                            <a:latin typeface="Arial" panose="020B0604020202020204" pitchFamily="34" charset="0"/>
-                            <a:cs typeface="Arial" panose="020B0604020202020204" pitchFamily="34" charset="0"/>
-                          </a:endParaRPr>
                         </a:p>
                       </a:txBody>
                       <a:tcPr anchor="ctr" anchorCtr="1"/>
@@ -35447,10 +35384,18 @@
                       </a:txBody>
                       <a:tcPr anchor="ctr" anchorCtr="1">
                         <a:blipFill>
-                          <a:blip r:embed="rId7"/>
+                          <a:blip r:embed="rId8"/>
+                          <a:stretch>
+                            <a:fillRect l="-160108" t="-870149" r="-722" b="-17910"/>
+                          </a:stretch>
                         </a:blipFill>
                       </a:tcPr>
                     </a:tc>
+                    <a:extLst>
+                      <a:ext uri="{0D108BD9-81ED-4DB2-BD59-A6C34878D82A}">
+                        <a16:rowId xmlns:a16="http://schemas.microsoft.com/office/drawing/2014/main" val="10007"/>
+                      </a:ext>
+                    </a:extLst>
                   </a:tr>
                 </a:tbl>
               </a:graphicData>
@@ -35458,6 +35403,59 @@
           </p:graphicFrame>
         </mc:Fallback>
       </mc:AlternateContent>
+      <p:sp>
+        <p:nvSpPr>
+          <p:cNvPr id="2" name="文本占位符 5">
+            <a:extLst>
+              <a:ext uri="{FF2B5EF4-FFF2-40B4-BE49-F238E27FC236}">
+                <a16:creationId xmlns:a16="http://schemas.microsoft.com/office/drawing/2014/main" id="{7265EE56-D7EE-5317-1558-498ADC53FECF}"/>
+              </a:ext>
+            </a:extLst>
+          </p:cNvPr>
+          <p:cNvSpPr>
+            <a:spLocks noGrp="1"/>
+          </p:cNvSpPr>
+          <p:nvPr>
+            <p:ph type="body" sz="quarter" idx="15"/>
+            <p:custDataLst>
+              <p:tags r:id="rId4"/>
+            </p:custDataLst>
+          </p:nvPr>
+        </p:nvSpPr>
+        <p:spPr>
+          <a:xfrm>
+            <a:off x="574674" y="1171975"/>
+            <a:ext cx="10034905" cy="845361"/>
+          </a:xfrm>
+        </p:spPr>
+        <p:txBody>
+          <a:bodyPr>
+            <a:noAutofit/>
+          </a:bodyPr>
+          <a:lstStyle/>
+          <a:p>
+            <a:r>
+              <a:rPr lang="zh-CN" altLang="en-US" b="0">
+                <a:solidFill>
+                  <a:schemeClr val="tx1"/>
+                </a:solidFill>
+                <a:effectLst/>
+                <a:latin typeface="+mn-lt"/>
+              </a:rPr>
+              <a:t>在计算机中，每个数据一般都有一个对应的类型，不同的数据类型所占的内存空间大小不同，因此所能表示的数值范围也不同。</a:t>
+            </a:r>
+          </a:p>
+          <a:p>
+            <a:endParaRPr lang="zh-CN" altLang="en-US" b="0">
+              <a:solidFill>
+                <a:schemeClr val="tx1"/>
+              </a:solidFill>
+              <a:effectLst/>
+              <a:latin typeface="+mn-lt"/>
+            </a:endParaRPr>
+          </a:p>
+        </p:txBody>
+      </p:sp>
     </p:spTree>
     <p:custDataLst>
       <p:tags r:id="rId1"/>
@@ -38341,14 +38339,6 @@
 </p:tagLst>
 </file>
 
-<file path=ppt/tags/tag2600.xml><?xml version="1.0" encoding="utf-8"?>
-<p:tagLst xmlns:p="http://schemas.openxmlformats.org/presentationml/2006/main">
-  <p:tag name="KSO_WM_UNIT_TABLE_BEAUTIFY" val="smartTable{0e8ffc68-d13e-4824-bd28-e9d52715b0fc}"/>
-  <p:tag name="TABLE_ENDDRAG_ORIGIN_RECT" val="652*302"/>
-  <p:tag name="TABLE_ENDDRAG_RECT" val="68*152*652*302"/>
-</p:tagLst>
-</file>
-
 <file path=ppt/tags/tag261.xml><?xml version="1.0" encoding="utf-8"?>
 <p:tagLst xmlns:a="http://schemas.openxmlformats.org/drawingml/2006/main" xmlns:r="http://schemas.openxmlformats.org/officeDocument/2006/relationships" xmlns:p="http://schemas.openxmlformats.org/presentationml/2006/main">
   <p:tag name="KSO_WM_UNIT_TABLE_BEAUTIFY" val="smartTable{0e8ffc68-d13e-4824-bd28-e9d52715b0fc}"/>
@@ -38358,6 +38348,27 @@
 </file>
 
 <file path=ppt/tags/tag262.xml><?xml version="1.0" encoding="utf-8"?>
+<p:tagLst xmlns:a="http://schemas.openxmlformats.org/drawingml/2006/main" xmlns:r="http://schemas.openxmlformats.org/officeDocument/2006/relationships" xmlns:p="http://schemas.openxmlformats.org/presentationml/2006/main">
+  <p:tag name="KSO_WM_UNIT_PRESET_TEXT" val="单击此处添加文本具体内容，简明扼要的阐述您的观点。"/>
+  <p:tag name="KSO_WM_UNIT_NOCLEAR" val="0"/>
+  <p:tag name="KSO_WM_UNIT_VALUE" val="50"/>
+  <p:tag name="KSO_WM_UNIT_HIGHLIGHT" val="0"/>
+  <p:tag name="KSO_WM_UNIT_COMPATIBLE" val="0"/>
+  <p:tag name="KSO_WM_UNIT_DIAGRAM_ISNUMVISUAL" val="0"/>
+  <p:tag name="KSO_WM_UNIT_DIAGRAM_ISREFERUNIT" val="0"/>
+  <p:tag name="KSO_WM_UNIT_TYPE" val="f"/>
+  <p:tag name="KSO_WM_UNIT_INDEX" val="2"/>
+  <p:tag name="KSO_WM_UNIT_ID" val="custom20202582_13*f*2"/>
+  <p:tag name="KSO_WM_TEMPLATE_CATEGORY" val="custom"/>
+  <p:tag name="KSO_WM_TEMPLATE_INDEX" val="20202582"/>
+  <p:tag name="KSO_WM_UNIT_LAYERLEVEL" val="1"/>
+  <p:tag name="KSO_WM_TAG_VERSION" val="1.0"/>
+  <p:tag name="KSO_WM_BEAUTIFY_FLAG" val="#wm#"/>
+  <p:tag name="KSO_WM_UNIT_SUBTYPE" val="a"/>
+</p:tagLst>
+</file>
+
+<file path=ppt/tags/tag263.xml><?xml version="1.0" encoding="utf-8"?>
 <p:tagLst xmlns:a="http://schemas.openxmlformats.org/drawingml/2006/main" xmlns:r="http://schemas.openxmlformats.org/officeDocument/2006/relationships" xmlns:p="http://schemas.openxmlformats.org/presentationml/2006/main">
   <p:tag name="KSO_WM_SLIDE_ID" val="custom20202582_13"/>
   <p:tag name="KSO_WM_TEMPLATE_SUBCATEGORY" val="0"/>
@@ -38378,7 +38389,7 @@
 </p:tagLst>
 </file>
 
-<file path=ppt/tags/tag263.xml><?xml version="1.0" encoding="utf-8"?>
+<file path=ppt/tags/tag264.xml><?xml version="1.0" encoding="utf-8"?>
 <p:tagLst xmlns:a="http://schemas.openxmlformats.org/drawingml/2006/main" xmlns:r="http://schemas.openxmlformats.org/officeDocument/2006/relationships" xmlns:p="http://schemas.openxmlformats.org/presentationml/2006/main">
   <p:tag name="KSO_WM_UNIT_ISCONTENTSTITLE" val="0"/>
   <p:tag name="KSO_WM_UNIT_PRESET_TEXT" val="单击此处添加标题"/>
@@ -38400,7 +38411,7 @@
 </p:tagLst>
 </file>
 
-<file path=ppt/tags/tag264.xml><?xml version="1.0" encoding="utf-8"?>
+<file path=ppt/tags/tag265.xml><?xml version="1.0" encoding="utf-8"?>
 <p:tagLst xmlns:a="http://schemas.openxmlformats.org/drawingml/2006/main" xmlns:r="http://schemas.openxmlformats.org/officeDocument/2006/relationships" xmlns:p="http://schemas.openxmlformats.org/presentationml/2006/main">
   <p:tag name="KSO_WM_UNIT_PRESET_TEXT" val="单击此处添加文本具体内容，简明扼要的阐述您的观点。"/>
   <p:tag name="KSO_WM_UNIT_NOCLEAR" val="0"/>
@@ -38421,7 +38432,7 @@
 </p:tagLst>
 </file>
 
-<file path=ppt/tags/tag265.xml><?xml version="1.0" encoding="utf-8"?>
+<file path=ppt/tags/tag266.xml><?xml version="1.0" encoding="utf-8"?>
 <p:tagLst xmlns:a="http://schemas.openxmlformats.org/drawingml/2006/main" xmlns:r="http://schemas.openxmlformats.org/officeDocument/2006/relationships" xmlns:p="http://schemas.openxmlformats.org/presentationml/2006/main">
   <p:tag name="KSO_WM_SLIDE_ID" val="custom20202582_13"/>
   <p:tag name="KSO_WM_TEMPLATE_SUBCATEGORY" val="0"/>
@@ -38442,7 +38453,7 @@
 </p:tagLst>
 </file>
 
-<file path=ppt/tags/tag266.xml><?xml version="1.0" encoding="utf-8"?>
+<file path=ppt/tags/tag267.xml><?xml version="1.0" encoding="utf-8"?>
 <p:tagLst xmlns:a="http://schemas.openxmlformats.org/drawingml/2006/main" xmlns:r="http://schemas.openxmlformats.org/officeDocument/2006/relationships" xmlns:p="http://schemas.openxmlformats.org/presentationml/2006/main">
   <p:tag name="KSO_WM_UNIT_ISCONTENTSTITLE" val="0"/>
   <p:tag name="KSO_WM_UNIT_PRESET_TEXT" val="单击此处添加标题"/>
@@ -38464,7 +38475,7 @@
 </p:tagLst>
 </file>
 
-<file path=ppt/tags/tag267.xml><?xml version="1.0" encoding="utf-8"?>
+<file path=ppt/tags/tag268.xml><?xml version="1.0" encoding="utf-8"?>
 <p:tagLst xmlns:a="http://schemas.openxmlformats.org/drawingml/2006/main" xmlns:r="http://schemas.openxmlformats.org/officeDocument/2006/relationships" xmlns:p="http://schemas.openxmlformats.org/presentationml/2006/main">
   <p:tag name="KSO_WM_UNIT_PRESET_TEXT" val="单击此处添加文本具体内容，简明扼要的阐述您的观点。"/>
   <p:tag name="KSO_WM_UNIT_NOCLEAR" val="0"/>
@@ -38485,13 +38496,26 @@
 </p:tagLst>
 </file>
 
-<file path=ppt/tags/tag268.xml><?xml version="1.0" encoding="utf-8"?>
+<file path=ppt/tags/tag269.xml><?xml version="1.0" encoding="utf-8"?>
 <p:tagLst xmlns:a="http://schemas.openxmlformats.org/drawingml/2006/main" xmlns:r="http://schemas.openxmlformats.org/officeDocument/2006/relationships" xmlns:p="http://schemas.openxmlformats.org/presentationml/2006/main">
   <p:tag name="KSO_WM_UNIT_TABLE_BEAUTIFY" val="smartTable{a3f33215-2c3c-463f-a78f-52c86657b92f}"/>
 </p:tagLst>
 </file>
 
-<file path=ppt/tags/tag269.xml><?xml version="1.0" encoding="utf-8"?>
+<file path=ppt/tags/tag27.xml><?xml version="1.0" encoding="utf-8"?>
+<p:tagLst xmlns:a="http://schemas.openxmlformats.org/drawingml/2006/main" xmlns:r="http://schemas.openxmlformats.org/officeDocument/2006/relationships" xmlns:p="http://schemas.openxmlformats.org/presentationml/2006/main">
+  <p:tag name="KSO_WM_UNIT_HIGHLIGHT" val="0"/>
+  <p:tag name="KSO_WM_UNIT_COMPATIBLE" val="0"/>
+  <p:tag name="KSO_WM_UNIT_DIAGRAM_ISNUMVISUAL" val="0"/>
+  <p:tag name="KSO_WM_UNIT_DIAGRAM_ISREFERUNIT" val="0"/>
+  <p:tag name="KSO_WM_UNIT_ID" val="_2**"/>
+  <p:tag name="KSO_WM_UNIT_LAYERLEVEL" val="1"/>
+  <p:tag name="KSO_WM_TAG_VERSION" val="1.0"/>
+  <p:tag name="KSO_WM_BEAUTIFY_FLAG" val="#wm#"/>
+</p:tagLst>
+</file>
+
+<file path=ppt/tags/tag270.xml><?xml version="1.0" encoding="utf-8"?>
 <p:tagLst xmlns:a="http://schemas.openxmlformats.org/drawingml/2006/main" xmlns:r="http://schemas.openxmlformats.org/officeDocument/2006/relationships" xmlns:p="http://schemas.openxmlformats.org/presentationml/2006/main">
   <p:tag name="KSO_WM_SLIDE_ID" val="custom20202582_13"/>
   <p:tag name="KSO_WM_TEMPLATE_SUBCATEGORY" val="0"/>
@@ -38512,20 +38536,7 @@
 </p:tagLst>
 </file>
 
-<file path=ppt/tags/tag27.xml><?xml version="1.0" encoding="utf-8"?>
-<p:tagLst xmlns:a="http://schemas.openxmlformats.org/drawingml/2006/main" xmlns:r="http://schemas.openxmlformats.org/officeDocument/2006/relationships" xmlns:p="http://schemas.openxmlformats.org/presentationml/2006/main">
-  <p:tag name="KSO_WM_UNIT_HIGHLIGHT" val="0"/>
-  <p:tag name="KSO_WM_UNIT_COMPATIBLE" val="0"/>
-  <p:tag name="KSO_WM_UNIT_DIAGRAM_ISNUMVISUAL" val="0"/>
-  <p:tag name="KSO_WM_UNIT_DIAGRAM_ISREFERUNIT" val="0"/>
-  <p:tag name="KSO_WM_UNIT_ID" val="_2**"/>
-  <p:tag name="KSO_WM_UNIT_LAYERLEVEL" val="1"/>
-  <p:tag name="KSO_WM_TAG_VERSION" val="1.0"/>
-  <p:tag name="KSO_WM_BEAUTIFY_FLAG" val="#wm#"/>
-</p:tagLst>
-</file>
-
-<file path=ppt/tags/tag270.xml><?xml version="1.0" encoding="utf-8"?>
+<file path=ppt/tags/tag271.xml><?xml version="1.0" encoding="utf-8"?>
 <p:tagLst xmlns:a="http://schemas.openxmlformats.org/drawingml/2006/main" xmlns:r="http://schemas.openxmlformats.org/officeDocument/2006/relationships" xmlns:p="http://schemas.openxmlformats.org/presentationml/2006/main">
   <p:tag name="KSO_WM_UNIT_ISCONTENTSTITLE" val="0"/>
   <p:tag name="KSO_WM_UNIT_PRESET_TEXT" val="单击此处添加标题"/>
@@ -38547,7 +38558,7 @@
 </p:tagLst>
 </file>
 
-<file path=ppt/tags/tag271.xml><?xml version="1.0" encoding="utf-8"?>
+<file path=ppt/tags/tag272.xml><?xml version="1.0" encoding="utf-8"?>
 <p:tagLst xmlns:a="http://schemas.openxmlformats.org/drawingml/2006/main" xmlns:r="http://schemas.openxmlformats.org/officeDocument/2006/relationships" xmlns:p="http://schemas.openxmlformats.org/presentationml/2006/main">
   <p:tag name="KSO_WM_UNIT_PRESET_TEXT" val="单击此处添加文本具体内容，简明扼要的阐述您的观点。"/>
   <p:tag name="KSO_WM_UNIT_NOCLEAR" val="0"/>
@@ -38568,7 +38579,7 @@
 </p:tagLst>
 </file>
 
-<file path=ppt/tags/tag272.xml><?xml version="1.0" encoding="utf-8"?>
+<file path=ppt/tags/tag273.xml><?xml version="1.0" encoding="utf-8"?>
 <p:tagLst xmlns:a="http://schemas.openxmlformats.org/drawingml/2006/main" xmlns:r="http://schemas.openxmlformats.org/officeDocument/2006/relationships" xmlns:p="http://schemas.openxmlformats.org/presentationml/2006/main">
   <p:tag name="KSO_WM_SLIDE_ID" val="custom20202582_7"/>
   <p:tag name="KSO_WM_TEMPLATE_SUBCATEGORY" val="0"/>
@@ -38587,7 +38598,7 @@
 </p:tagLst>
 </file>
 
-<file path=ppt/tags/tag273.xml><?xml version="1.0" encoding="utf-8"?>
+<file path=ppt/tags/tag274.xml><?xml version="1.0" encoding="utf-8"?>
 <p:tagLst xmlns:a="http://schemas.openxmlformats.org/drawingml/2006/main" xmlns:r="http://schemas.openxmlformats.org/officeDocument/2006/relationships" xmlns:p="http://schemas.openxmlformats.org/presentationml/2006/main">
   <p:tag name="KSO_WM_UNIT_ISCONTENTSTITLE" val="0"/>
   <p:tag name="KSO_WM_UNIT_PRESET_TEXT" val="单击此处添加标题"/>
@@ -38609,7 +38620,7 @@
 </p:tagLst>
 </file>
 
-<file path=ppt/tags/tag274.xml><?xml version="1.0" encoding="utf-8"?>
+<file path=ppt/tags/tag275.xml><?xml version="1.0" encoding="utf-8"?>
 <p:tagLst xmlns:a="http://schemas.openxmlformats.org/drawingml/2006/main" xmlns:r="http://schemas.openxmlformats.org/officeDocument/2006/relationships" xmlns:p="http://schemas.openxmlformats.org/presentationml/2006/main">
   <p:tag name="KSO_WM_UNIT_ISCONTENTSTITLE" val="0"/>
   <p:tag name="KSO_WM_UNIT_PRESET_TEXT" val="Contents"/>
@@ -38635,7 +38646,7 @@
 </p:tagLst>
 </file>
 
-<file path=ppt/tags/tag275.xml><?xml version="1.0" encoding="utf-8"?>
+<file path=ppt/tags/tag276.xml><?xml version="1.0" encoding="utf-8"?>
 <p:tagLst xmlns:a="http://schemas.openxmlformats.org/drawingml/2006/main" xmlns:r="http://schemas.openxmlformats.org/officeDocument/2006/relationships" xmlns:p="http://schemas.openxmlformats.org/presentationml/2006/main">
   <p:tag name="KSO_WM_SLIDE_ID" val="custom20202582_13"/>
   <p:tag name="KSO_WM_TEMPLATE_SUBCATEGORY" val="0"/>
@@ -38656,7 +38667,7 @@
 </p:tagLst>
 </file>
 
-<file path=ppt/tags/tag276.xml><?xml version="1.0" encoding="utf-8"?>
+<file path=ppt/tags/tag277.xml><?xml version="1.0" encoding="utf-8"?>
 <p:tagLst xmlns:a="http://schemas.openxmlformats.org/drawingml/2006/main" xmlns:r="http://schemas.openxmlformats.org/officeDocument/2006/relationships" xmlns:p="http://schemas.openxmlformats.org/presentationml/2006/main">
   <p:tag name="KSO_WM_UNIT_ISCONTENTSTITLE" val="0"/>
   <p:tag name="KSO_WM_UNIT_PRESET_TEXT" val="单击此处添加标题"/>
@@ -38678,7 +38689,7 @@
 </p:tagLst>
 </file>
 
-<file path=ppt/tags/tag277.xml><?xml version="1.0" encoding="utf-8"?>
+<file path=ppt/tags/tag278.xml><?xml version="1.0" encoding="utf-8"?>
 <p:tagLst xmlns:a="http://schemas.openxmlformats.org/drawingml/2006/main" xmlns:r="http://schemas.openxmlformats.org/officeDocument/2006/relationships" xmlns:p="http://schemas.openxmlformats.org/presentationml/2006/main">
   <p:tag name="KSO_WM_UNIT_PRESET_TEXT" val="单击此处添加文本具体内容，简明扼要的阐述您的观点。"/>
   <p:tag name="KSO_WM_UNIT_NOCLEAR" val="0"/>
@@ -38699,7 +38710,7 @@
 </p:tagLst>
 </file>
 
-<file path=ppt/tags/tag278.xml><?xml version="1.0" encoding="utf-8"?>
+<file path=ppt/tags/tag279.xml><?xml version="1.0" encoding="utf-8"?>
 <p:tagLst xmlns:a="http://schemas.openxmlformats.org/drawingml/2006/main" xmlns:r="http://schemas.openxmlformats.org/officeDocument/2006/relationships" xmlns:p="http://schemas.openxmlformats.org/presentationml/2006/main">
   <p:tag name="KSO_WM_UNIT_TABLE_BEAUTIFY" val="smartTable{4fb92924-1101-4f54-b68a-719812bf7988}"/>
   <p:tag name="TABLE_ENDDRAG_ORIGIN_RECT" val="90*50"/>
@@ -38707,7 +38718,20 @@
 </p:tagLst>
 </file>
 
-<file path=ppt/tags/tag279.xml><?xml version="1.0" encoding="utf-8"?>
+<file path=ppt/tags/tag28.xml><?xml version="1.0" encoding="utf-8"?>
+<p:tagLst xmlns:a="http://schemas.openxmlformats.org/drawingml/2006/main" xmlns:r="http://schemas.openxmlformats.org/officeDocument/2006/relationships" xmlns:p="http://schemas.openxmlformats.org/presentationml/2006/main">
+  <p:tag name="KSO_WM_UNIT_HIGHLIGHT" val="0"/>
+  <p:tag name="KSO_WM_UNIT_COMPATIBLE" val="0"/>
+  <p:tag name="KSO_WM_UNIT_DIAGRAM_ISNUMVISUAL" val="0"/>
+  <p:tag name="KSO_WM_UNIT_DIAGRAM_ISREFERUNIT" val="0"/>
+  <p:tag name="KSO_WM_UNIT_ID" val="_2**"/>
+  <p:tag name="KSO_WM_UNIT_LAYERLEVEL" val="1"/>
+  <p:tag name="KSO_WM_TAG_VERSION" val="1.0"/>
+  <p:tag name="KSO_WM_BEAUTIFY_FLAG" val="#wm#"/>
+</p:tagLst>
+</file>
+
+<file path=ppt/tags/tag280.xml><?xml version="1.0" encoding="utf-8"?>
 <p:tagLst xmlns:a="http://schemas.openxmlformats.org/drawingml/2006/main" xmlns:r="http://schemas.openxmlformats.org/officeDocument/2006/relationships" xmlns:p="http://schemas.openxmlformats.org/presentationml/2006/main">
   <p:tag name="KSO_WM_SLIDE_ID" val="custom20202582_13"/>
   <p:tag name="KSO_WM_TEMPLATE_SUBCATEGORY" val="0"/>
@@ -38728,20 +38752,7 @@
 </p:tagLst>
 </file>
 
-<file path=ppt/tags/tag28.xml><?xml version="1.0" encoding="utf-8"?>
-<p:tagLst xmlns:a="http://schemas.openxmlformats.org/drawingml/2006/main" xmlns:r="http://schemas.openxmlformats.org/officeDocument/2006/relationships" xmlns:p="http://schemas.openxmlformats.org/presentationml/2006/main">
-  <p:tag name="KSO_WM_UNIT_HIGHLIGHT" val="0"/>
-  <p:tag name="KSO_WM_UNIT_COMPATIBLE" val="0"/>
-  <p:tag name="KSO_WM_UNIT_DIAGRAM_ISNUMVISUAL" val="0"/>
-  <p:tag name="KSO_WM_UNIT_DIAGRAM_ISREFERUNIT" val="0"/>
-  <p:tag name="KSO_WM_UNIT_ID" val="_2**"/>
-  <p:tag name="KSO_WM_UNIT_LAYERLEVEL" val="1"/>
-  <p:tag name="KSO_WM_TAG_VERSION" val="1.0"/>
-  <p:tag name="KSO_WM_BEAUTIFY_FLAG" val="#wm#"/>
-</p:tagLst>
-</file>
-
-<file path=ppt/tags/tag280.xml><?xml version="1.0" encoding="utf-8"?>
+<file path=ppt/tags/tag281.xml><?xml version="1.0" encoding="utf-8"?>
 <p:tagLst xmlns:a="http://schemas.openxmlformats.org/drawingml/2006/main" xmlns:r="http://schemas.openxmlformats.org/officeDocument/2006/relationships" xmlns:p="http://schemas.openxmlformats.org/presentationml/2006/main">
   <p:tag name="KSO_WM_UNIT_ISCONTENTSTITLE" val="0"/>
   <p:tag name="KSO_WM_UNIT_PRESET_TEXT" val="单击此处添加标题"/>
@@ -38763,7 +38774,7 @@
 </p:tagLst>
 </file>
 
-<file path=ppt/tags/tag281.xml><?xml version="1.0" encoding="utf-8"?>
+<file path=ppt/tags/tag282.xml><?xml version="1.0" encoding="utf-8"?>
 <p:tagLst xmlns:a="http://schemas.openxmlformats.org/drawingml/2006/main" xmlns:r="http://schemas.openxmlformats.org/officeDocument/2006/relationships" xmlns:p="http://schemas.openxmlformats.org/presentationml/2006/main">
   <p:tag name="KSO_WM_UNIT_PRESET_TEXT" val="单击此处添加文本具体内容，简明扼要的阐述您的观点。"/>
   <p:tag name="KSO_WM_UNIT_NOCLEAR" val="0"/>
@@ -38784,7 +38795,7 @@
 </p:tagLst>
 </file>
 
-<file path=ppt/tags/tag282.xml><?xml version="1.0" encoding="utf-8"?>
+<file path=ppt/tags/tag283.xml><?xml version="1.0" encoding="utf-8"?>
 <p:tagLst xmlns:a="http://schemas.openxmlformats.org/drawingml/2006/main" xmlns:r="http://schemas.openxmlformats.org/officeDocument/2006/relationships" xmlns:p="http://schemas.openxmlformats.org/presentationml/2006/main">
   <p:tag name="KSO_WM_UNIT_TABLE_BEAUTIFY" val="smartTable{4fb92924-1101-4f54-b68a-719812bf7988}"/>
   <p:tag name="TABLE_ENDDRAG_ORIGIN_RECT" val="235*30"/>
@@ -38792,7 +38803,7 @@
 </p:tagLst>
 </file>
 
-<file path=ppt/tags/tag283.xml><?xml version="1.0" encoding="utf-8"?>
+<file path=ppt/tags/tag284.xml><?xml version="1.0" encoding="utf-8"?>
 <p:tagLst xmlns:a="http://schemas.openxmlformats.org/drawingml/2006/main" xmlns:r="http://schemas.openxmlformats.org/officeDocument/2006/relationships" xmlns:p="http://schemas.openxmlformats.org/presentationml/2006/main">
   <p:tag name="KSO_WM_SLIDE_ID" val="custom20202582_13"/>
   <p:tag name="KSO_WM_TEMPLATE_SUBCATEGORY" val="0"/>
@@ -38813,7 +38824,7 @@
 </p:tagLst>
 </file>
 
-<file path=ppt/tags/tag284.xml><?xml version="1.0" encoding="utf-8"?>
+<file path=ppt/tags/tag285.xml><?xml version="1.0" encoding="utf-8"?>
 <p:tagLst xmlns:a="http://schemas.openxmlformats.org/drawingml/2006/main" xmlns:r="http://schemas.openxmlformats.org/officeDocument/2006/relationships" xmlns:p="http://schemas.openxmlformats.org/presentationml/2006/main">
   <p:tag name="KSO_WM_UNIT_ISCONTENTSTITLE" val="0"/>
   <p:tag name="KSO_WM_UNIT_PRESET_TEXT" val="单击此处添加标题"/>
@@ -38835,7 +38846,7 @@
 </p:tagLst>
 </file>
 
-<file path=ppt/tags/tag285.xml><?xml version="1.0" encoding="utf-8"?>
+<file path=ppt/tags/tag286.xml><?xml version="1.0" encoding="utf-8"?>
 <p:tagLst xmlns:a="http://schemas.openxmlformats.org/drawingml/2006/main" xmlns:r="http://schemas.openxmlformats.org/officeDocument/2006/relationships" xmlns:p="http://schemas.openxmlformats.org/presentationml/2006/main">
   <p:tag name="KSO_WM_UNIT_PRESET_TEXT" val="单击此处添加文本具体内容，简明扼要的阐述您的观点。"/>
   <p:tag name="KSO_WM_UNIT_NOCLEAR" val="0"/>
@@ -38856,14 +38867,14 @@
 </p:tagLst>
 </file>
 
-<file path=ppt/tags/tag286.xml><?xml version="1.0" encoding="utf-8"?>
+<file path=ppt/tags/tag287.xml><?xml version="1.0" encoding="utf-8"?>
 <p:tagLst xmlns:a="http://schemas.openxmlformats.org/drawingml/2006/main" xmlns:r="http://schemas.openxmlformats.org/officeDocument/2006/relationships" xmlns:p="http://schemas.openxmlformats.org/presentationml/2006/main">
   <p:tag name="TABLE_ENDDRAG_ORIGIN_RECT" val="148*50"/>
   <p:tag name="TABLE_ENDDRAG_RECT" val="150*445*148*50"/>
 </p:tagLst>
 </file>
 
-<file path=ppt/tags/tag287.xml><?xml version="1.0" encoding="utf-8"?>
+<file path=ppt/tags/tag288.xml><?xml version="1.0" encoding="utf-8"?>
 <p:tagLst xmlns:a="http://schemas.openxmlformats.org/drawingml/2006/main" xmlns:r="http://schemas.openxmlformats.org/officeDocument/2006/relationships" xmlns:p="http://schemas.openxmlformats.org/presentationml/2006/main">
   <p:tag name="KSO_WM_SLIDE_ID" val="custom20202582_7"/>
   <p:tag name="KSO_WM_TEMPLATE_SUBCATEGORY" val="0"/>
@@ -38882,7 +38893,7 @@
 </p:tagLst>
 </file>
 
-<file path=ppt/tags/tag288.xml><?xml version="1.0" encoding="utf-8"?>
+<file path=ppt/tags/tag289.xml><?xml version="1.0" encoding="utf-8"?>
 <p:tagLst xmlns:a="http://schemas.openxmlformats.org/drawingml/2006/main" xmlns:r="http://schemas.openxmlformats.org/officeDocument/2006/relationships" xmlns:p="http://schemas.openxmlformats.org/presentationml/2006/main">
   <p:tag name="KSO_WM_UNIT_ISCONTENTSTITLE" val="0"/>
   <p:tag name="KSO_WM_UNIT_PRESET_TEXT" val="单击此处添加标题"/>
@@ -38904,7 +38915,20 @@
 </p:tagLst>
 </file>
 
-<file path=ppt/tags/tag289.xml><?xml version="1.0" encoding="utf-8"?>
+<file path=ppt/tags/tag29.xml><?xml version="1.0" encoding="utf-8"?>
+<p:tagLst xmlns:a="http://schemas.openxmlformats.org/drawingml/2006/main" xmlns:r="http://schemas.openxmlformats.org/officeDocument/2006/relationships" xmlns:p="http://schemas.openxmlformats.org/presentationml/2006/main">
+  <p:tag name="KSO_WM_UNIT_HIGHLIGHT" val="0"/>
+  <p:tag name="KSO_WM_UNIT_COMPATIBLE" val="0"/>
+  <p:tag name="KSO_WM_UNIT_DIAGRAM_ISNUMVISUAL" val="0"/>
+  <p:tag name="KSO_WM_UNIT_DIAGRAM_ISREFERUNIT" val="0"/>
+  <p:tag name="KSO_WM_UNIT_ID" val="_2**"/>
+  <p:tag name="KSO_WM_UNIT_LAYERLEVEL" val="1"/>
+  <p:tag name="KSO_WM_TAG_VERSION" val="1.0"/>
+  <p:tag name="KSO_WM_BEAUTIFY_FLAG" val="#wm#"/>
+</p:tagLst>
+</file>
+
+<file path=ppt/tags/tag290.xml><?xml version="1.0" encoding="utf-8"?>
 <p:tagLst xmlns:a="http://schemas.openxmlformats.org/drawingml/2006/main" xmlns:r="http://schemas.openxmlformats.org/officeDocument/2006/relationships" xmlns:p="http://schemas.openxmlformats.org/presentationml/2006/main">
   <p:tag name="KSO_WM_UNIT_ISCONTENTSTITLE" val="0"/>
   <p:tag name="KSO_WM_UNIT_PRESET_TEXT" val="Contents"/>
@@ -38930,20 +38954,7 @@
 </p:tagLst>
 </file>
 
-<file path=ppt/tags/tag29.xml><?xml version="1.0" encoding="utf-8"?>
-<p:tagLst xmlns:a="http://schemas.openxmlformats.org/drawingml/2006/main" xmlns:r="http://schemas.openxmlformats.org/officeDocument/2006/relationships" xmlns:p="http://schemas.openxmlformats.org/presentationml/2006/main">
-  <p:tag name="KSO_WM_UNIT_HIGHLIGHT" val="0"/>
-  <p:tag name="KSO_WM_UNIT_COMPATIBLE" val="0"/>
-  <p:tag name="KSO_WM_UNIT_DIAGRAM_ISNUMVISUAL" val="0"/>
-  <p:tag name="KSO_WM_UNIT_DIAGRAM_ISREFERUNIT" val="0"/>
-  <p:tag name="KSO_WM_UNIT_ID" val="_2**"/>
-  <p:tag name="KSO_WM_UNIT_LAYERLEVEL" val="1"/>
-  <p:tag name="KSO_WM_TAG_VERSION" val="1.0"/>
-  <p:tag name="KSO_WM_BEAUTIFY_FLAG" val="#wm#"/>
-</p:tagLst>
-</file>
-
-<file path=ppt/tags/tag290.xml><?xml version="1.0" encoding="utf-8"?>
+<file path=ppt/tags/tag291.xml><?xml version="1.0" encoding="utf-8"?>
 <p:tagLst xmlns:a="http://schemas.openxmlformats.org/drawingml/2006/main" xmlns:r="http://schemas.openxmlformats.org/officeDocument/2006/relationships" xmlns:p="http://schemas.openxmlformats.org/presentationml/2006/main">
   <p:tag name="KSO_WM_SLIDE_ID" val="custom20202582_13"/>
   <p:tag name="KSO_WM_TEMPLATE_SUBCATEGORY" val="0"/>
@@ -38964,7 +38975,7 @@
 </p:tagLst>
 </file>
 
-<file path=ppt/tags/tag291.xml><?xml version="1.0" encoding="utf-8"?>
+<file path=ppt/tags/tag292.xml><?xml version="1.0" encoding="utf-8"?>
 <p:tagLst xmlns:a="http://schemas.openxmlformats.org/drawingml/2006/main" xmlns:r="http://schemas.openxmlformats.org/officeDocument/2006/relationships" xmlns:p="http://schemas.openxmlformats.org/presentationml/2006/main">
   <p:tag name="KSO_WM_UNIT_ISCONTENTSTITLE" val="0"/>
   <p:tag name="KSO_WM_UNIT_PRESET_TEXT" val="单击此处添加标题"/>
@@ -38986,7 +38997,7 @@
 </p:tagLst>
 </file>
 
-<file path=ppt/tags/tag292.xml><?xml version="1.0" encoding="utf-8"?>
+<file path=ppt/tags/tag293.xml><?xml version="1.0" encoding="utf-8"?>
 <p:tagLst xmlns:a="http://schemas.openxmlformats.org/drawingml/2006/main" xmlns:r="http://schemas.openxmlformats.org/officeDocument/2006/relationships" xmlns:p="http://schemas.openxmlformats.org/presentationml/2006/main">
   <p:tag name="KSO_WM_UNIT_PRESET_TEXT" val="单击此处添加文本具体内容，简明扼要的阐述您的观点。"/>
   <p:tag name="KSO_WM_UNIT_NOCLEAR" val="0"/>
@@ -39007,7 +39018,7 @@
 </p:tagLst>
 </file>
 
-<file path=ppt/tags/tag293.xml><?xml version="1.0" encoding="utf-8"?>
+<file path=ppt/tags/tag294.xml><?xml version="1.0" encoding="utf-8"?>
 <p:tagLst xmlns:a="http://schemas.openxmlformats.org/drawingml/2006/main" xmlns:r="http://schemas.openxmlformats.org/officeDocument/2006/relationships" xmlns:p="http://schemas.openxmlformats.org/presentationml/2006/main">
   <p:tag name="KSO_WM_SLIDE_ID" val="custom20202582_13"/>
   <p:tag name="KSO_WM_TEMPLATE_SUBCATEGORY" val="0"/>
@@ -39028,7 +39039,7 @@
 </p:tagLst>
 </file>
 
-<file path=ppt/tags/tag294.xml><?xml version="1.0" encoding="utf-8"?>
+<file path=ppt/tags/tag295.xml><?xml version="1.0" encoding="utf-8"?>
 <p:tagLst xmlns:a="http://schemas.openxmlformats.org/drawingml/2006/main" xmlns:r="http://schemas.openxmlformats.org/officeDocument/2006/relationships" xmlns:p="http://schemas.openxmlformats.org/presentationml/2006/main">
   <p:tag name="KSO_WM_UNIT_ISCONTENTSTITLE" val="0"/>
   <p:tag name="KSO_WM_UNIT_PRESET_TEXT" val="单击此处添加标题"/>
@@ -39050,7 +39061,7 @@
 </p:tagLst>
 </file>
 
-<file path=ppt/tags/tag295.xml><?xml version="1.0" encoding="utf-8"?>
+<file path=ppt/tags/tag296.xml><?xml version="1.0" encoding="utf-8"?>
 <p:tagLst xmlns:a="http://schemas.openxmlformats.org/drawingml/2006/main" xmlns:r="http://schemas.openxmlformats.org/officeDocument/2006/relationships" xmlns:p="http://schemas.openxmlformats.org/presentationml/2006/main">
   <p:tag name="KSO_WM_UNIT_PRESET_TEXT" val="单击此处添加文本具体内容，简明扼要的阐述您的观点。"/>
   <p:tag name="KSO_WM_UNIT_NOCLEAR" val="0"/>
@@ -39071,14 +39082,14 @@
 </p:tagLst>
 </file>
 
-<file path=ppt/tags/tag296.xml><?xml version="1.0" encoding="utf-8"?>
+<file path=ppt/tags/tag297.xml><?xml version="1.0" encoding="utf-8"?>
 <p:tagLst xmlns:a="http://schemas.openxmlformats.org/drawingml/2006/main" xmlns:r="http://schemas.openxmlformats.org/officeDocument/2006/relationships" xmlns:p="http://schemas.openxmlformats.org/presentationml/2006/main">
   <p:tag name="TABLE_ENDDRAG_ORIGIN_RECT" val="47*93"/>
   <p:tag name="TABLE_ENDDRAG_RECT" val="533*236*47*93"/>
 </p:tagLst>
 </file>
 
-<file path=ppt/tags/tag297.xml><?xml version="1.0" encoding="utf-8"?>
+<file path=ppt/tags/tag298.xml><?xml version="1.0" encoding="utf-8"?>
 <p:tagLst xmlns:a="http://schemas.openxmlformats.org/drawingml/2006/main" xmlns:r="http://schemas.openxmlformats.org/officeDocument/2006/relationships" xmlns:p="http://schemas.openxmlformats.org/presentationml/2006/main">
   <p:tag name="KSO_WM_SLIDE_ID" val="custom20202582_13"/>
   <p:tag name="KSO_WM_TEMPLATE_SUBCATEGORY" val="0"/>
@@ -39099,7 +39110,7 @@
 </p:tagLst>
 </file>
 
-<file path=ppt/tags/tag298.xml><?xml version="1.0" encoding="utf-8"?>
+<file path=ppt/tags/tag299.xml><?xml version="1.0" encoding="utf-8"?>
 <p:tagLst xmlns:a="http://schemas.openxmlformats.org/drawingml/2006/main" xmlns:r="http://schemas.openxmlformats.org/officeDocument/2006/relationships" xmlns:p="http://schemas.openxmlformats.org/presentationml/2006/main">
   <p:tag name="KSO_WM_UNIT_ISCONTENTSTITLE" val="0"/>
   <p:tag name="KSO_WM_UNIT_PRESET_TEXT" val="单击此处添加标题"/>
@@ -39118,27 +39129,6 @@
   <p:tag name="KSO_WM_TAG_VERSION" val="1.0"/>
   <p:tag name="KSO_WM_BEAUTIFY_FLAG" val="#wm#"/>
   <p:tag name="KSO_WM_UNIT_ISNUMDGMTITLE" val="0"/>
-</p:tagLst>
-</file>
-
-<file path=ppt/tags/tag299.xml><?xml version="1.0" encoding="utf-8"?>
-<p:tagLst xmlns:a="http://schemas.openxmlformats.org/drawingml/2006/main" xmlns:r="http://schemas.openxmlformats.org/officeDocument/2006/relationships" xmlns:p="http://schemas.openxmlformats.org/presentationml/2006/main">
-  <p:tag name="KSO_WM_UNIT_PRESET_TEXT" val="单击此处添加文本具体内容，简明扼要的阐述您的观点。"/>
-  <p:tag name="KSO_WM_UNIT_NOCLEAR" val="0"/>
-  <p:tag name="KSO_WM_UNIT_VALUE" val="50"/>
-  <p:tag name="KSO_WM_UNIT_HIGHLIGHT" val="0"/>
-  <p:tag name="KSO_WM_UNIT_COMPATIBLE" val="0"/>
-  <p:tag name="KSO_WM_UNIT_DIAGRAM_ISNUMVISUAL" val="0"/>
-  <p:tag name="KSO_WM_UNIT_DIAGRAM_ISREFERUNIT" val="0"/>
-  <p:tag name="KSO_WM_UNIT_TYPE" val="f"/>
-  <p:tag name="KSO_WM_UNIT_INDEX" val="2"/>
-  <p:tag name="KSO_WM_UNIT_ID" val="custom20202582_13*f*2"/>
-  <p:tag name="KSO_WM_TEMPLATE_CATEGORY" val="custom"/>
-  <p:tag name="KSO_WM_TEMPLATE_INDEX" val="20202582"/>
-  <p:tag name="KSO_WM_UNIT_LAYERLEVEL" val="1"/>
-  <p:tag name="KSO_WM_TAG_VERSION" val="1.0"/>
-  <p:tag name="KSO_WM_BEAUTIFY_FLAG" val="#wm#"/>
-  <p:tag name="KSO_WM_UNIT_SUBTYPE" val="a"/>
 </p:tagLst>
 </file>
 
@@ -39172,20 +39162,41 @@
 
 <file path=ppt/tags/tag300.xml><?xml version="1.0" encoding="utf-8"?>
 <p:tagLst xmlns:a="http://schemas.openxmlformats.org/drawingml/2006/main" xmlns:r="http://schemas.openxmlformats.org/officeDocument/2006/relationships" xmlns:p="http://schemas.openxmlformats.org/presentationml/2006/main">
+  <p:tag name="KSO_WM_UNIT_PRESET_TEXT" val="单击此处添加文本具体内容，简明扼要的阐述您的观点。"/>
+  <p:tag name="KSO_WM_UNIT_NOCLEAR" val="0"/>
+  <p:tag name="KSO_WM_UNIT_VALUE" val="50"/>
+  <p:tag name="KSO_WM_UNIT_HIGHLIGHT" val="0"/>
+  <p:tag name="KSO_WM_UNIT_COMPATIBLE" val="0"/>
+  <p:tag name="KSO_WM_UNIT_DIAGRAM_ISNUMVISUAL" val="0"/>
+  <p:tag name="KSO_WM_UNIT_DIAGRAM_ISREFERUNIT" val="0"/>
+  <p:tag name="KSO_WM_UNIT_TYPE" val="f"/>
+  <p:tag name="KSO_WM_UNIT_INDEX" val="2"/>
+  <p:tag name="KSO_WM_UNIT_ID" val="custom20202582_13*f*2"/>
+  <p:tag name="KSO_WM_TEMPLATE_CATEGORY" val="custom"/>
+  <p:tag name="KSO_WM_TEMPLATE_INDEX" val="20202582"/>
+  <p:tag name="KSO_WM_UNIT_LAYERLEVEL" val="1"/>
+  <p:tag name="KSO_WM_TAG_VERSION" val="1.0"/>
+  <p:tag name="KSO_WM_BEAUTIFY_FLAG" val="#wm#"/>
+  <p:tag name="KSO_WM_UNIT_SUBTYPE" val="a"/>
+</p:tagLst>
+</file>
+
+<file path=ppt/tags/tag301.xml><?xml version="1.0" encoding="utf-8"?>
+<p:tagLst xmlns:a="http://schemas.openxmlformats.org/drawingml/2006/main" xmlns:r="http://schemas.openxmlformats.org/officeDocument/2006/relationships" xmlns:p="http://schemas.openxmlformats.org/presentationml/2006/main">
   <p:tag name="KSO_WM_UNIT_TABLE_BEAUTIFY" val="smartTable{4fb92924-1101-4f54-b68a-719812bf7988}"/>
   <p:tag name="TABLE_ENDDRAG_ORIGIN_RECT" val="235*30"/>
   <p:tag name="TABLE_ENDDRAG_RECT" val="612*411*235*30"/>
 </p:tagLst>
 </file>
 
-<file path=ppt/tags/tag301.xml><?xml version="1.0" encoding="utf-8"?>
+<file path=ppt/tags/tag302.xml><?xml version="1.0" encoding="utf-8"?>
 <p:tagLst xmlns:a="http://schemas.openxmlformats.org/drawingml/2006/main" xmlns:r="http://schemas.openxmlformats.org/officeDocument/2006/relationships" xmlns:p="http://schemas.openxmlformats.org/presentationml/2006/main">
   <p:tag name="TABLE_ENDDRAG_ORIGIN_RECT" val="47*93"/>
   <p:tag name="TABLE_ENDDRAG_RECT" val="533*236*47*93"/>
 </p:tagLst>
 </file>
 
-<file path=ppt/tags/tag302.xml><?xml version="1.0" encoding="utf-8"?>
+<file path=ppt/tags/tag303.xml><?xml version="1.0" encoding="utf-8"?>
 <p:tagLst xmlns:a="http://schemas.openxmlformats.org/drawingml/2006/main" xmlns:r="http://schemas.openxmlformats.org/officeDocument/2006/relationships" xmlns:p="http://schemas.openxmlformats.org/presentationml/2006/main">
   <p:tag name="KSO_WM_SLIDE_ID" val="custom20202582_13"/>
   <p:tag name="KSO_WM_TEMPLATE_SUBCATEGORY" val="0"/>
@@ -39206,7 +39217,7 @@
 </p:tagLst>
 </file>
 
-<file path=ppt/tags/tag303.xml><?xml version="1.0" encoding="utf-8"?>
+<file path=ppt/tags/tag304.xml><?xml version="1.0" encoding="utf-8"?>
 <p:tagLst xmlns:a="http://schemas.openxmlformats.org/drawingml/2006/main" xmlns:r="http://schemas.openxmlformats.org/officeDocument/2006/relationships" xmlns:p="http://schemas.openxmlformats.org/presentationml/2006/main">
   <p:tag name="KSO_WM_UNIT_ISCONTENTSTITLE" val="0"/>
   <p:tag name="KSO_WM_UNIT_PRESET_TEXT" val="单击此处添加标题"/>
@@ -39228,7 +39239,7 @@
 </p:tagLst>
 </file>
 
-<file path=ppt/tags/tag304.xml><?xml version="1.0" encoding="utf-8"?>
+<file path=ppt/tags/tag305.xml><?xml version="1.0" encoding="utf-8"?>
 <p:tagLst xmlns:a="http://schemas.openxmlformats.org/drawingml/2006/main" xmlns:r="http://schemas.openxmlformats.org/officeDocument/2006/relationships" xmlns:p="http://schemas.openxmlformats.org/presentationml/2006/main">
   <p:tag name="KSO_WM_UNIT_PRESET_TEXT" val="单击此处添加文本具体内容，简明扼要的阐述您的观点。"/>
   <p:tag name="KSO_WM_UNIT_NOCLEAR" val="0"/>
@@ -39249,7 +39260,7 @@
 </p:tagLst>
 </file>
 
-<file path=ppt/tags/tag305.xml><?xml version="1.0" encoding="utf-8"?>
+<file path=ppt/tags/tag306.xml><?xml version="1.0" encoding="utf-8"?>
 <p:tagLst xmlns:a="http://schemas.openxmlformats.org/drawingml/2006/main" xmlns:r="http://schemas.openxmlformats.org/officeDocument/2006/relationships" xmlns:p="http://schemas.openxmlformats.org/presentationml/2006/main">
   <p:tag name="KSO_WM_SLIDE_ID" val="custom20202582_13"/>
   <p:tag name="KSO_WM_TEMPLATE_SUBCATEGORY" val="0"/>
@@ -39270,7 +39281,7 @@
 </p:tagLst>
 </file>
 
-<file path=ppt/tags/tag306.xml><?xml version="1.0" encoding="utf-8"?>
+<file path=ppt/tags/tag307.xml><?xml version="1.0" encoding="utf-8"?>
 <p:tagLst xmlns:a="http://schemas.openxmlformats.org/drawingml/2006/main" xmlns:r="http://schemas.openxmlformats.org/officeDocument/2006/relationships" xmlns:p="http://schemas.openxmlformats.org/presentationml/2006/main">
   <p:tag name="KSO_WM_UNIT_ISCONTENTSTITLE" val="0"/>
   <p:tag name="KSO_WM_UNIT_PRESET_TEXT" val="单击此处添加标题"/>
@@ -39292,7 +39303,7 @@
 </p:tagLst>
 </file>
 
-<file path=ppt/tags/tag307.xml><?xml version="1.0" encoding="utf-8"?>
+<file path=ppt/tags/tag308.xml><?xml version="1.0" encoding="utf-8"?>
 <p:tagLst xmlns:a="http://schemas.openxmlformats.org/drawingml/2006/main" xmlns:r="http://schemas.openxmlformats.org/officeDocument/2006/relationships" xmlns:p="http://schemas.openxmlformats.org/presentationml/2006/main">
   <p:tag name="KSO_WM_UNIT_PRESET_TEXT" val="单击此处添加文本具体内容，简明扼要的阐述您的观点。"/>
   <p:tag name="KSO_WM_UNIT_NOCLEAR" val="0"/>
@@ -39313,14 +39324,27 @@
 </p:tagLst>
 </file>
 
-<file path=ppt/tags/tag308.xml><?xml version="1.0" encoding="utf-8"?>
+<file path=ppt/tags/tag309.xml><?xml version="1.0" encoding="utf-8"?>
 <p:tagLst xmlns:a="http://schemas.openxmlformats.org/drawingml/2006/main" xmlns:r="http://schemas.openxmlformats.org/officeDocument/2006/relationships" xmlns:p="http://schemas.openxmlformats.org/presentationml/2006/main">
   <p:tag name="TABLE_ENDDRAG_ORIGIN_RECT" val="169*30"/>
   <p:tag name="TABLE_ENDDRAG_RECT" val="446*413*169*30"/>
 </p:tagLst>
 </file>
 
-<file path=ppt/tags/tag309.xml><?xml version="1.0" encoding="utf-8"?>
+<file path=ppt/tags/tag31.xml><?xml version="1.0" encoding="utf-8"?>
+<p:tagLst xmlns:a="http://schemas.openxmlformats.org/drawingml/2006/main" xmlns:r="http://schemas.openxmlformats.org/officeDocument/2006/relationships" xmlns:p="http://schemas.openxmlformats.org/presentationml/2006/main">
+  <p:tag name="KSO_WM_UNIT_HIGHLIGHT" val="0"/>
+  <p:tag name="KSO_WM_UNIT_COMPATIBLE" val="0"/>
+  <p:tag name="KSO_WM_UNIT_DIAGRAM_ISNUMVISUAL" val="0"/>
+  <p:tag name="KSO_WM_UNIT_DIAGRAM_ISREFERUNIT" val="0"/>
+  <p:tag name="KSO_WM_UNIT_ID" val="_2**"/>
+  <p:tag name="KSO_WM_UNIT_LAYERLEVEL" val="1"/>
+  <p:tag name="KSO_WM_TAG_VERSION" val="1.0"/>
+  <p:tag name="KSO_WM_BEAUTIFY_FLAG" val="#wm#"/>
+</p:tagLst>
+</file>
+
+<file path=ppt/tags/tag310.xml><?xml version="1.0" encoding="utf-8"?>
 <p:tagLst xmlns:a="http://schemas.openxmlformats.org/drawingml/2006/main" xmlns:r="http://schemas.openxmlformats.org/officeDocument/2006/relationships" xmlns:p="http://schemas.openxmlformats.org/presentationml/2006/main">
   <p:tag name="KSO_WM_SLIDE_ID" val="custom20202582_7"/>
   <p:tag name="KSO_WM_TEMPLATE_SUBCATEGORY" val="0"/>
@@ -39339,20 +39363,7 @@
 </p:tagLst>
 </file>
 
-<file path=ppt/tags/tag31.xml><?xml version="1.0" encoding="utf-8"?>
-<p:tagLst xmlns:a="http://schemas.openxmlformats.org/drawingml/2006/main" xmlns:r="http://schemas.openxmlformats.org/officeDocument/2006/relationships" xmlns:p="http://schemas.openxmlformats.org/presentationml/2006/main">
-  <p:tag name="KSO_WM_UNIT_HIGHLIGHT" val="0"/>
-  <p:tag name="KSO_WM_UNIT_COMPATIBLE" val="0"/>
-  <p:tag name="KSO_WM_UNIT_DIAGRAM_ISNUMVISUAL" val="0"/>
-  <p:tag name="KSO_WM_UNIT_DIAGRAM_ISREFERUNIT" val="0"/>
-  <p:tag name="KSO_WM_UNIT_ID" val="_2**"/>
-  <p:tag name="KSO_WM_UNIT_LAYERLEVEL" val="1"/>
-  <p:tag name="KSO_WM_TAG_VERSION" val="1.0"/>
-  <p:tag name="KSO_WM_BEAUTIFY_FLAG" val="#wm#"/>
-</p:tagLst>
-</file>
-
-<file path=ppt/tags/tag310.xml><?xml version="1.0" encoding="utf-8"?>
+<file path=ppt/tags/tag311.xml><?xml version="1.0" encoding="utf-8"?>
 <p:tagLst xmlns:a="http://schemas.openxmlformats.org/drawingml/2006/main" xmlns:r="http://schemas.openxmlformats.org/officeDocument/2006/relationships" xmlns:p="http://schemas.openxmlformats.org/presentationml/2006/main">
   <p:tag name="KSO_WM_UNIT_ISCONTENTSTITLE" val="0"/>
   <p:tag name="KSO_WM_UNIT_PRESET_TEXT" val="单击此处添加标题"/>
@@ -39374,7 +39385,7 @@
 </p:tagLst>
 </file>
 
-<file path=ppt/tags/tag311.xml><?xml version="1.0" encoding="utf-8"?>
+<file path=ppt/tags/tag312.xml><?xml version="1.0" encoding="utf-8"?>
 <p:tagLst xmlns:a="http://schemas.openxmlformats.org/drawingml/2006/main" xmlns:r="http://schemas.openxmlformats.org/officeDocument/2006/relationships" xmlns:p="http://schemas.openxmlformats.org/presentationml/2006/main">
   <p:tag name="KSO_WM_UNIT_ISCONTENTSTITLE" val="0"/>
   <p:tag name="KSO_WM_UNIT_PRESET_TEXT" val="Contents"/>
@@ -39400,7 +39411,7 @@
 </p:tagLst>
 </file>
 
-<file path=ppt/tags/tag312.xml><?xml version="1.0" encoding="utf-8"?>
+<file path=ppt/tags/tag313.xml><?xml version="1.0" encoding="utf-8"?>
 <p:tagLst xmlns:a="http://schemas.openxmlformats.org/drawingml/2006/main" xmlns:r="http://schemas.openxmlformats.org/officeDocument/2006/relationships" xmlns:p="http://schemas.openxmlformats.org/presentationml/2006/main">
   <p:tag name="KSO_WM_SLIDE_ID" val="custom20202582_13"/>
   <p:tag name="KSO_WM_TEMPLATE_SUBCATEGORY" val="0"/>
@@ -39421,7 +39432,7 @@
 </p:tagLst>
 </file>
 
-<file path=ppt/tags/tag313.xml><?xml version="1.0" encoding="utf-8"?>
+<file path=ppt/tags/tag314.xml><?xml version="1.0" encoding="utf-8"?>
 <p:tagLst xmlns:a="http://schemas.openxmlformats.org/drawingml/2006/main" xmlns:r="http://schemas.openxmlformats.org/officeDocument/2006/relationships" xmlns:p="http://schemas.openxmlformats.org/presentationml/2006/main">
   <p:tag name="KSO_WM_UNIT_ISCONTENTSTITLE" val="0"/>
   <p:tag name="KSO_WM_UNIT_PRESET_TEXT" val="单击此处添加标题"/>
@@ -39443,7 +39454,7 @@
 </p:tagLst>
 </file>
 
-<file path=ppt/tags/tag314.xml><?xml version="1.0" encoding="utf-8"?>
+<file path=ppt/tags/tag315.xml><?xml version="1.0" encoding="utf-8"?>
 <p:tagLst xmlns:a="http://schemas.openxmlformats.org/drawingml/2006/main" xmlns:r="http://schemas.openxmlformats.org/officeDocument/2006/relationships" xmlns:p="http://schemas.openxmlformats.org/presentationml/2006/main">
   <p:tag name="KSO_WM_UNIT_PRESET_TEXT" val="单击此处添加文本具体内容，简明扼要的阐述您的观点。"/>
   <p:tag name="KSO_WM_UNIT_NOCLEAR" val="0"/>
@@ -39464,21 +39475,21 @@
 </p:tagLst>
 </file>
 
-<file path=ppt/tags/tag315.xml><?xml version="1.0" encoding="utf-8"?>
+<file path=ppt/tags/tag316.xml><?xml version="1.0" encoding="utf-8"?>
 <p:tagLst xmlns:a="http://schemas.openxmlformats.org/drawingml/2006/main" xmlns:r="http://schemas.openxmlformats.org/officeDocument/2006/relationships" xmlns:p="http://schemas.openxmlformats.org/presentationml/2006/main">
   <p:tag name="TABLE_ENDDRAG_ORIGIN_RECT" val="351*115"/>
   <p:tag name="TABLE_ENDDRAG_RECT" val="526*259*351*115"/>
 </p:tagLst>
 </file>
 
-<file path=ppt/tags/tag316.xml><?xml version="1.0" encoding="utf-8"?>
+<file path=ppt/tags/tag317.xml><?xml version="1.0" encoding="utf-8"?>
 <p:tagLst xmlns:a="http://schemas.openxmlformats.org/drawingml/2006/main" xmlns:r="http://schemas.openxmlformats.org/officeDocument/2006/relationships" xmlns:p="http://schemas.openxmlformats.org/presentationml/2006/main">
   <p:tag name="TABLE_ENDDRAG_ORIGIN_RECT" val="338*99"/>
   <p:tag name="TABLE_ENDDRAG_RECT" val="538*118*338*99"/>
 </p:tagLst>
 </file>
 
-<file path=ppt/tags/tag317.xml><?xml version="1.0" encoding="utf-8"?>
+<file path=ppt/tags/tag318.xml><?xml version="1.0" encoding="utf-8"?>
 <p:tagLst xmlns:a="http://schemas.openxmlformats.org/drawingml/2006/main" xmlns:r="http://schemas.openxmlformats.org/officeDocument/2006/relationships" xmlns:p="http://schemas.openxmlformats.org/presentationml/2006/main">
   <p:tag name="KSO_WM_SLIDE_ID" val="custom20202582_13"/>
   <p:tag name="KSO_WM_TEMPLATE_SUBCATEGORY" val="0"/>
@@ -39499,7 +39510,7 @@
 </p:tagLst>
 </file>
 
-<file path=ppt/tags/tag318.xml><?xml version="1.0" encoding="utf-8"?>
+<file path=ppt/tags/tag319.xml><?xml version="1.0" encoding="utf-8"?>
 <p:tagLst xmlns:a="http://schemas.openxmlformats.org/drawingml/2006/main" xmlns:r="http://schemas.openxmlformats.org/officeDocument/2006/relationships" xmlns:p="http://schemas.openxmlformats.org/presentationml/2006/main">
   <p:tag name="KSO_WM_UNIT_ISCONTENTSTITLE" val="0"/>
   <p:tag name="KSO_WM_UNIT_PRESET_TEXT" val="单击此处添加标题"/>
@@ -39521,13 +39532,6 @@
 </p:tagLst>
 </file>
 
-<file path=ppt/tags/tag319.xml><?xml version="1.0" encoding="utf-8"?>
-<p:tagLst xmlns:a="http://schemas.openxmlformats.org/drawingml/2006/main" xmlns:r="http://schemas.openxmlformats.org/officeDocument/2006/relationships" xmlns:p="http://schemas.openxmlformats.org/presentationml/2006/main">
-  <p:tag name="TABLE_ENDDRAG_ORIGIN_RECT" val="520*115"/>
-  <p:tag name="TABLE_ENDDRAG_RECT" val="227*391*520*115"/>
-</p:tagLst>
-</file>
-
 <file path=ppt/tags/tag32.xml><?xml version="1.0" encoding="utf-8"?>
 <p:tagLst xmlns:a="http://schemas.openxmlformats.org/drawingml/2006/main" xmlns:r="http://schemas.openxmlformats.org/officeDocument/2006/relationships" xmlns:p="http://schemas.openxmlformats.org/presentationml/2006/main">
   <p:tag name="KSO_WM_UNIT_HIGHLIGHT" val="0"/>
@@ -39542,6 +39546,13 @@
 </file>
 
 <file path=ppt/tags/tag320.xml><?xml version="1.0" encoding="utf-8"?>
+<p:tagLst xmlns:a="http://schemas.openxmlformats.org/drawingml/2006/main" xmlns:r="http://schemas.openxmlformats.org/officeDocument/2006/relationships" xmlns:p="http://schemas.openxmlformats.org/presentationml/2006/main">
+  <p:tag name="TABLE_ENDDRAG_ORIGIN_RECT" val="520*115"/>
+  <p:tag name="TABLE_ENDDRAG_RECT" val="227*391*520*115"/>
+</p:tagLst>
+</file>
+
+<file path=ppt/tags/tag321.xml><?xml version="1.0" encoding="utf-8"?>
 <p:tagLst xmlns:a="http://schemas.openxmlformats.org/drawingml/2006/main" xmlns:r="http://schemas.openxmlformats.org/officeDocument/2006/relationships" xmlns:p="http://schemas.openxmlformats.org/presentationml/2006/main">
   <p:tag name="KSO_WM_UNIT_PRESET_TEXT" val="单击此处添加文本具体内容，简明扼要的阐述您的观点。"/>
   <p:tag name="KSO_WM_UNIT_NOCLEAR" val="0"/>
@@ -39562,13 +39573,6 @@
 </p:tagLst>
 </file>
 
-<file path=ppt/tags/tag321.xml><?xml version="1.0" encoding="utf-8"?>
-<p:tagLst xmlns:a="http://schemas.openxmlformats.org/drawingml/2006/main" xmlns:r="http://schemas.openxmlformats.org/officeDocument/2006/relationships" xmlns:p="http://schemas.openxmlformats.org/presentationml/2006/main">
-  <p:tag name="TABLE_ENDDRAG_ORIGIN_RECT" val="504*115"/>
-  <p:tag name="TABLE_ENDDRAG_RECT" val="425*113*504*115"/>
-</p:tagLst>
-</file>
-
 <file path=ppt/tags/tag322.xml><?xml version="1.0" encoding="utf-8"?>
 <p:tagLst xmlns:a="http://schemas.openxmlformats.org/drawingml/2006/main" xmlns:r="http://schemas.openxmlformats.org/officeDocument/2006/relationships" xmlns:p="http://schemas.openxmlformats.org/presentationml/2006/main">
   <p:tag name="TABLE_ENDDRAG_ORIGIN_RECT" val="504*115"/>
@@ -39577,6 +39581,13 @@
 </file>
 
 <file path=ppt/tags/tag323.xml><?xml version="1.0" encoding="utf-8"?>
+<p:tagLst xmlns:a="http://schemas.openxmlformats.org/drawingml/2006/main" xmlns:r="http://schemas.openxmlformats.org/officeDocument/2006/relationships" xmlns:p="http://schemas.openxmlformats.org/presentationml/2006/main">
+  <p:tag name="TABLE_ENDDRAG_ORIGIN_RECT" val="504*115"/>
+  <p:tag name="TABLE_ENDDRAG_RECT" val="425*113*504*115"/>
+</p:tagLst>
+</file>
+
+<file path=ppt/tags/tag324.xml><?xml version="1.0" encoding="utf-8"?>
 <p:tagLst xmlns:a="http://schemas.openxmlformats.org/drawingml/2006/main" xmlns:r="http://schemas.openxmlformats.org/officeDocument/2006/relationships" xmlns:p="http://schemas.openxmlformats.org/presentationml/2006/main">
   <p:tag name="KSO_WM_SLIDE_ID" val="custom20202582_13"/>
   <p:tag name="KSO_WM_TEMPLATE_SUBCATEGORY" val="0"/>
@@ -39597,7 +39608,7 @@
 </p:tagLst>
 </file>
 
-<file path=ppt/tags/tag324.xml><?xml version="1.0" encoding="utf-8"?>
+<file path=ppt/tags/tag325.xml><?xml version="1.0" encoding="utf-8"?>
 <p:tagLst xmlns:a="http://schemas.openxmlformats.org/drawingml/2006/main" xmlns:r="http://schemas.openxmlformats.org/officeDocument/2006/relationships" xmlns:p="http://schemas.openxmlformats.org/presentationml/2006/main">
   <p:tag name="KSO_WM_UNIT_ISCONTENTSTITLE" val="0"/>
   <p:tag name="KSO_WM_UNIT_PRESET_TEXT" val="单击此处添加标题"/>
@@ -39619,14 +39630,14 @@
 </p:tagLst>
 </file>
 
-<file path=ppt/tags/tag325.xml><?xml version="1.0" encoding="utf-8"?>
+<file path=ppt/tags/tag326.xml><?xml version="1.0" encoding="utf-8"?>
 <p:tagLst xmlns:a="http://schemas.openxmlformats.org/drawingml/2006/main" xmlns:r="http://schemas.openxmlformats.org/officeDocument/2006/relationships" xmlns:p="http://schemas.openxmlformats.org/presentationml/2006/main">
   <p:tag name="TABLE_ENDDRAG_ORIGIN_RECT" val="239*115"/>
   <p:tag name="TABLE_ENDDRAG_RECT" val="194*375*239*115"/>
 </p:tagLst>
 </file>
 
-<file path=ppt/tags/tag326.xml><?xml version="1.0" encoding="utf-8"?>
+<file path=ppt/tags/tag327.xml><?xml version="1.0" encoding="utf-8"?>
 <p:tagLst xmlns:a="http://schemas.openxmlformats.org/drawingml/2006/main" xmlns:r="http://schemas.openxmlformats.org/officeDocument/2006/relationships" xmlns:p="http://schemas.openxmlformats.org/presentationml/2006/main">
   <p:tag name="KSO_WM_UNIT_PRESET_TEXT" val="单击此处添加文本具体内容，简明扼要的阐述您的观点。"/>
   <p:tag name="KSO_WM_UNIT_NOCLEAR" val="0"/>
@@ -39647,14 +39658,14 @@
 </p:tagLst>
 </file>
 
-<file path=ppt/tags/tag327.xml><?xml version="1.0" encoding="utf-8"?>
+<file path=ppt/tags/tag328.xml><?xml version="1.0" encoding="utf-8"?>
 <p:tagLst xmlns:a="http://schemas.openxmlformats.org/drawingml/2006/main" xmlns:r="http://schemas.openxmlformats.org/officeDocument/2006/relationships" xmlns:p="http://schemas.openxmlformats.org/presentationml/2006/main">
   <p:tag name="TABLE_ENDDRAG_ORIGIN_RECT" val="239*115"/>
   <p:tag name="TABLE_ENDDRAG_RECT" val="194*375*239*115"/>
 </p:tagLst>
 </file>
 
-<file path=ppt/tags/tag328.xml><?xml version="1.0" encoding="utf-8"?>
+<file path=ppt/tags/tag329.xml><?xml version="1.0" encoding="utf-8"?>
 <p:tagLst xmlns:a="http://schemas.openxmlformats.org/drawingml/2006/main" xmlns:r="http://schemas.openxmlformats.org/officeDocument/2006/relationships" xmlns:p="http://schemas.openxmlformats.org/presentationml/2006/main">
   <p:tag name="TABLE_ENDDRAG_ORIGIN_RECT" val="239*115"/>
   <p:tag name="TABLE_ENDDRAG_RECT" val="194*375*239*115"/>

--- a/slides/Chapter1.pptx
+++ b/slides/Chapter1.pptx
@@ -232,7 +232,7 @@
           <a:p>
             <a:fld id="{D2A48B96-639E-45A3-A0BA-2464DFDB1FAA}" type="datetimeFigureOut">
               <a:rPr lang="zh-CN" altLang="en-US" smtClean="0"/>
-              <a:t>2023/1/12</a:t>
+              <a:t>2023/1/14</a:t>
             </a:fld>
             <a:endParaRPr lang="zh-CN" altLang="en-US"/>
           </a:p>
@@ -2259,7 +2259,7 @@
           <a:p>
             <a:fld id="{D997B5FA-0921-464F-AAE1-844C04324D75}" type="datetimeFigureOut">
               <a:rPr lang="zh-CN" altLang="en-US" smtClean="0"/>
-              <a:t>2023/1/12</a:t>
+              <a:t>2023/1/14</a:t>
             </a:fld>
             <a:endParaRPr lang="zh-CN" altLang="en-US"/>
           </a:p>
@@ -2422,7 +2422,7 @@
           <a:p>
             <a:fld id="{D997B5FA-0921-464F-AAE1-844C04324D75}" type="datetimeFigureOut">
               <a:rPr lang="zh-CN" altLang="en-US" smtClean="0"/>
-              <a:t>2023/1/12</a:t>
+              <a:t>2023/1/14</a:t>
             </a:fld>
             <a:endParaRPr lang="zh-CN" altLang="en-US"/>
           </a:p>
@@ -2595,7 +2595,7 @@
           <a:p>
             <a:fld id="{D997B5FA-0921-464F-AAE1-844C04324D75}" type="datetimeFigureOut">
               <a:rPr lang="zh-CN" altLang="en-US" smtClean="0"/>
-              <a:t>2023/1/12</a:t>
+              <a:t>2023/1/14</a:t>
             </a:fld>
             <a:endParaRPr lang="zh-CN" altLang="en-US"/>
           </a:p>
@@ -3269,7 +3269,7 @@
           <a:p>
             <a:fld id="{760FBDFE-C587-4B4C-A407-44438C67B59E}" type="datetimeFigureOut">
               <a:rPr lang="zh-CN" altLang="en-US" smtClean="0"/>
-              <a:t>2023/1/12</a:t>
+              <a:t>2023/1/14</a:t>
             </a:fld>
             <a:endParaRPr lang="zh-CN" altLang="en-US"/>
           </a:p>
@@ -4137,7 +4137,7 @@
           <a:p>
             <a:fld id="{760FBDFE-C587-4B4C-A407-44438C67B59E}" type="datetimeFigureOut">
               <a:rPr lang="zh-CN" altLang="en-US" smtClean="0"/>
-              <a:t>2023/1/12</a:t>
+              <a:t>2023/1/14</a:t>
             </a:fld>
             <a:endParaRPr lang="zh-CN" altLang="en-US"/>
           </a:p>
@@ -4945,7 +4945,7 @@
           <a:p>
             <a:fld id="{760FBDFE-C587-4B4C-A407-44438C67B59E}" type="datetimeFigureOut">
               <a:rPr lang="zh-CN" altLang="en-US" smtClean="0"/>
-              <a:t>2023/1/12</a:t>
+              <a:t>2023/1/14</a:t>
             </a:fld>
             <a:endParaRPr lang="zh-CN" altLang="en-US"/>
           </a:p>
@@ -5682,7 +5682,7 @@
           <a:p>
             <a:fld id="{760FBDFE-C587-4B4C-A407-44438C67B59E}" type="datetimeFigureOut">
               <a:rPr lang="zh-CN" altLang="en-US" smtClean="0"/>
-              <a:t>2023/1/12</a:t>
+              <a:t>2023/1/14</a:t>
             </a:fld>
             <a:endParaRPr lang="zh-CN" altLang="en-US"/>
           </a:p>
@@ -6663,7 +6663,7 @@
           <a:p>
             <a:fld id="{760FBDFE-C587-4B4C-A407-44438C67B59E}" type="datetimeFigureOut">
               <a:rPr lang="zh-CN" altLang="en-US" smtClean="0"/>
-              <a:t>2023/1/12</a:t>
+              <a:t>2023/1/14</a:t>
             </a:fld>
             <a:endParaRPr lang="zh-CN" altLang="en-US"/>
           </a:p>
@@ -7286,7 +7286,7 @@
           <a:p>
             <a:fld id="{760FBDFE-C587-4B4C-A407-44438C67B59E}" type="datetimeFigureOut">
               <a:rPr lang="zh-CN" altLang="en-US" smtClean="0"/>
-              <a:t>2023/1/12</a:t>
+              <a:t>2023/1/14</a:t>
             </a:fld>
             <a:endParaRPr lang="zh-CN" altLang="en-US"/>
           </a:p>
@@ -7393,7 +7393,7 @@
           <a:p>
             <a:fld id="{760FBDFE-C587-4B4C-A407-44438C67B59E}" type="datetimeFigureOut">
               <a:rPr lang="zh-CN" altLang="en-US" smtClean="0"/>
-              <a:t>2023/1/12</a:t>
+              <a:t>2023/1/14</a:t>
             </a:fld>
             <a:endParaRPr lang="zh-CN" altLang="en-US"/>
           </a:p>
@@ -8019,7 +8019,7 @@
           <a:p>
             <a:fld id="{9EFD9D74-47D9-4702-A33C-335B63B48DBF}" type="datetimeFigureOut">
               <a:rPr lang="zh-CN" altLang="en-US" smtClean="0"/>
-              <a:t>2023/1/12</a:t>
+              <a:t>2023/1/14</a:t>
             </a:fld>
             <a:endParaRPr lang="zh-CN" altLang="en-US"/>
           </a:p>
@@ -8214,7 +8214,7 @@
           <a:p>
             <a:fld id="{D997B5FA-0921-464F-AAE1-844C04324D75}" type="datetimeFigureOut">
               <a:rPr lang="zh-CN" altLang="en-US" smtClean="0"/>
-              <a:t>2023/1/12</a:t>
+              <a:t>2023/1/14</a:t>
             </a:fld>
             <a:endParaRPr lang="zh-CN" altLang="en-US"/>
           </a:p>
@@ -8896,7 +8896,7 @@
           <a:p>
             <a:fld id="{760FBDFE-C587-4B4C-A407-44438C67B59E}" type="datetimeFigureOut">
               <a:rPr lang="zh-CN" altLang="en-US" smtClean="0"/>
-              <a:t>2023/1/12</a:t>
+              <a:t>2023/1/14</a:t>
             </a:fld>
             <a:endParaRPr lang="zh-CN" altLang="en-US"/>
           </a:p>
@@ -9432,7 +9432,7 @@
           <a:p>
             <a:fld id="{760FBDFE-C587-4B4C-A407-44438C67B59E}" type="datetimeFigureOut">
               <a:rPr lang="zh-CN" altLang="en-US" smtClean="0"/>
-              <a:t>2023/1/12</a:t>
+              <a:t>2023/1/14</a:t>
             </a:fld>
             <a:endParaRPr lang="zh-CN" altLang="en-US"/>
           </a:p>
@@ -10199,7 +10199,7 @@
           <a:p>
             <a:fld id="{760FBDFE-C587-4B4C-A407-44438C67B59E}" type="datetimeFigureOut">
               <a:rPr lang="zh-CN" altLang="en-US" smtClean="0"/>
-              <a:t>2023/1/12</a:t>
+              <a:t>2023/1/14</a:t>
             </a:fld>
             <a:endParaRPr lang="zh-CN" altLang="en-US"/>
           </a:p>
@@ -10665,7 +10665,7 @@
           <a:p>
             <a:fld id="{760FBDFE-C587-4B4C-A407-44438C67B59E}" type="datetimeFigureOut">
               <a:rPr lang="zh-CN" altLang="en-US" smtClean="0"/>
-              <a:t>2023/1/12</a:t>
+              <a:t>2023/1/14</a:t>
             </a:fld>
             <a:endParaRPr lang="zh-CN" altLang="en-US"/>
           </a:p>
@@ -11355,7 +11355,7 @@
           <a:p>
             <a:fld id="{760FBDFE-C587-4B4C-A407-44438C67B59E}" type="datetimeFigureOut">
               <a:rPr lang="zh-CN" altLang="en-US" smtClean="0"/>
-              <a:t>2023/1/12</a:t>
+              <a:t>2023/1/14</a:t>
             </a:fld>
             <a:endParaRPr lang="zh-CN" altLang="en-US"/>
           </a:p>
@@ -11829,7 +11829,7 @@
           <a:p>
             <a:fld id="{760FBDFE-C587-4B4C-A407-44438C67B59E}" type="datetimeFigureOut">
               <a:rPr lang="zh-CN" altLang="en-US" smtClean="0"/>
-              <a:t>2023/1/12</a:t>
+              <a:t>2023/1/14</a:t>
             </a:fld>
             <a:endParaRPr lang="zh-CN" altLang="en-US"/>
           </a:p>
@@ -12555,7 +12555,7 @@
           <a:p>
             <a:fld id="{760FBDFE-C587-4B4C-A407-44438C67B59E}" type="datetimeFigureOut">
               <a:rPr lang="zh-CN" altLang="en-US" smtClean="0"/>
-              <a:t>2023/1/12</a:t>
+              <a:t>2023/1/14</a:t>
             </a:fld>
             <a:endParaRPr lang="zh-CN" altLang="en-US"/>
           </a:p>
@@ -13195,7 +13195,7 @@
           <a:p>
             <a:fld id="{760FBDFE-C587-4B4C-A407-44438C67B59E}" type="datetimeFigureOut">
               <a:rPr lang="zh-CN" altLang="en-US" smtClean="0"/>
-              <a:t>2023/1/12</a:t>
+              <a:t>2023/1/14</a:t>
             </a:fld>
             <a:endParaRPr lang="zh-CN" altLang="en-US"/>
           </a:p>
@@ -13622,7 +13622,7 @@
           <a:p>
             <a:fld id="{760FBDFE-C587-4B4C-A407-44438C67B59E}" type="datetimeFigureOut">
               <a:rPr lang="zh-CN" altLang="en-US" smtClean="0"/>
-              <a:t>2023/1/12</a:t>
+              <a:t>2023/1/14</a:t>
             </a:fld>
             <a:endParaRPr lang="zh-CN" altLang="en-US"/>
           </a:p>
@@ -14822,7 +14822,7 @@
           <a:p>
             <a:fld id="{760FBDFE-C587-4B4C-A407-44438C67B59E}" type="datetimeFigureOut">
               <a:rPr lang="zh-CN" altLang="en-US" smtClean="0"/>
-              <a:t>2023/1/12</a:t>
+              <a:t>2023/1/14</a:t>
             </a:fld>
             <a:endParaRPr lang="zh-CN" altLang="en-US"/>
           </a:p>
@@ -15141,7 +15141,7 @@
           <a:p>
             <a:fld id="{D997B5FA-0921-464F-AAE1-844C04324D75}" type="datetimeFigureOut">
               <a:rPr lang="zh-CN" altLang="en-US" smtClean="0"/>
-              <a:t>2023/1/12</a:t>
+              <a:t>2023/1/14</a:t>
             </a:fld>
             <a:endParaRPr lang="zh-CN" altLang="en-US"/>
           </a:p>
@@ -15365,7 +15365,7 @@
           <a:p>
             <a:fld id="{D997B5FA-0921-464F-AAE1-844C04324D75}" type="datetimeFigureOut">
               <a:rPr lang="zh-CN" altLang="en-US" smtClean="0"/>
-              <a:t>2023/1/12</a:t>
+              <a:t>2023/1/14</a:t>
             </a:fld>
             <a:endParaRPr lang="zh-CN" altLang="en-US"/>
           </a:p>
@@ -15724,7 +15724,7 @@
           <a:p>
             <a:fld id="{D997B5FA-0921-464F-AAE1-844C04324D75}" type="datetimeFigureOut">
               <a:rPr lang="zh-CN" altLang="en-US" smtClean="0"/>
-              <a:t>2023/1/12</a:t>
+              <a:t>2023/1/14</a:t>
             </a:fld>
             <a:endParaRPr lang="zh-CN" altLang="en-US"/>
           </a:p>
@@ -15836,7 +15836,7 @@
           <a:p>
             <a:fld id="{D997B5FA-0921-464F-AAE1-844C04324D75}" type="datetimeFigureOut">
               <a:rPr lang="zh-CN" altLang="en-US" smtClean="0"/>
-              <a:t>2023/1/12</a:t>
+              <a:t>2023/1/14</a:t>
             </a:fld>
             <a:endParaRPr lang="zh-CN" altLang="en-US"/>
           </a:p>
@@ -15926,7 +15926,7 @@
           <a:p>
             <a:fld id="{D997B5FA-0921-464F-AAE1-844C04324D75}" type="datetimeFigureOut">
               <a:rPr lang="zh-CN" altLang="en-US" smtClean="0"/>
-              <a:t>2023/1/12</a:t>
+              <a:t>2023/1/14</a:t>
             </a:fld>
             <a:endParaRPr lang="zh-CN" altLang="en-US"/>
           </a:p>
@@ -16196,7 +16196,7 @@
           <a:p>
             <a:fld id="{D997B5FA-0921-464F-AAE1-844C04324D75}" type="datetimeFigureOut">
               <a:rPr lang="zh-CN" altLang="en-US" smtClean="0"/>
-              <a:t>2023/1/12</a:t>
+              <a:t>2023/1/14</a:t>
             </a:fld>
             <a:endParaRPr lang="zh-CN" altLang="en-US"/>
           </a:p>
@@ -16443,7 +16443,7 @@
           <a:p>
             <a:fld id="{D997B5FA-0921-464F-AAE1-844C04324D75}" type="datetimeFigureOut">
               <a:rPr lang="zh-CN" altLang="en-US" smtClean="0"/>
-              <a:t>2023/1/12</a:t>
+              <a:t>2023/1/14</a:t>
             </a:fld>
             <a:endParaRPr lang="zh-CN" altLang="en-US"/>
           </a:p>
@@ -16649,7 +16649,7 @@
           <a:p>
             <a:fld id="{D997B5FA-0921-464F-AAE1-844C04324D75}" type="datetimeFigureOut">
               <a:rPr lang="zh-CN" altLang="en-US" smtClean="0"/>
-              <a:t>2023/1/12</a:t>
+              <a:t>2023/1/14</a:t>
             </a:fld>
             <a:endParaRPr lang="zh-CN" altLang="en-US"/>
           </a:p>
@@ -17196,7 +17196,7 @@
           <a:p>
             <a:fld id="{760FBDFE-C587-4B4C-A407-44438C67B59E}" type="datetimeFigureOut">
               <a:rPr lang="zh-CN" altLang="en-US" smtClean="0"/>
-              <a:t>2023/1/12</a:t>
+              <a:t>2023/1/14</a:t>
             </a:fld>
             <a:endParaRPr lang="zh-CN" altLang="en-US"/>
           </a:p>
@@ -28061,14 +28061,14 @@
             </p:custDataLst>
             <p:extLst>
               <p:ext uri="{D42A27DB-BD31-4B8C-83A1-F6EECF244321}">
-                <p14:modId xmlns:p14="http://schemas.microsoft.com/office/powerpoint/2010/main" val="279787436"/>
+                <p14:modId xmlns:p14="http://schemas.microsoft.com/office/powerpoint/2010/main" val="1039921755"/>
               </p:ext>
             </p:extLst>
           </p:nvPr>
         </p:nvGraphicFramePr>
         <p:xfrm>
           <a:off x="582775" y="1770576"/>
-          <a:ext cx="6708140" cy="1261745"/>
+          <a:ext cx="6908360" cy="1261745"/>
         </p:xfrm>
         <a:graphic>
           <a:graphicData uri="http://schemas.openxmlformats.org/drawingml/2006/table">
@@ -28077,7 +28077,7 @@
                 <a:tableStyleId>{5C22544A-7EE6-4342-B048-85BDC9FD1C3A}</a:tableStyleId>
               </a:tblPr>
               <a:tblGrid>
-                <a:gridCol w="6708140">
+                <a:gridCol w="6908360">
                   <a:extLst>
                     <a:ext uri="{9D8B030D-6E8A-4147-A177-3AD203B41FA5}">
                       <a16:colId xmlns:a16="http://schemas.microsoft.com/office/drawing/2014/main" val="20000"/>
@@ -28434,14 +28434,14 @@
             </p:custDataLst>
             <p:extLst>
               <p:ext uri="{D42A27DB-BD31-4B8C-83A1-F6EECF244321}">
-                <p14:modId xmlns:p14="http://schemas.microsoft.com/office/powerpoint/2010/main" val="50778629"/>
+                <p14:modId xmlns:p14="http://schemas.microsoft.com/office/powerpoint/2010/main" val="110249919"/>
               </p:ext>
             </p:extLst>
           </p:nvPr>
         </p:nvGraphicFramePr>
         <p:xfrm>
           <a:off x="579600" y="3361886"/>
-          <a:ext cx="6708775" cy="1261745"/>
+          <a:ext cx="6911535" cy="1261745"/>
         </p:xfrm>
         <a:graphic>
           <a:graphicData uri="http://schemas.openxmlformats.org/drawingml/2006/table">
@@ -28450,7 +28450,7 @@
                 <a:tableStyleId>{5C22544A-7EE6-4342-B048-85BDC9FD1C3A}</a:tableStyleId>
               </a:tblPr>
               <a:tblGrid>
-                <a:gridCol w="6708775">
+                <a:gridCol w="6911535">
                   <a:extLst>
                     <a:ext uri="{9D8B030D-6E8A-4147-A177-3AD203B41FA5}">
                       <a16:colId xmlns:a16="http://schemas.microsoft.com/office/drawing/2014/main" val="20000"/>
@@ -28565,14 +28565,14 @@
             </p:custDataLst>
             <p:extLst>
               <p:ext uri="{D42A27DB-BD31-4B8C-83A1-F6EECF244321}">
-                <p14:modId xmlns:p14="http://schemas.microsoft.com/office/powerpoint/2010/main" val="2973957467"/>
+                <p14:modId xmlns:p14="http://schemas.microsoft.com/office/powerpoint/2010/main" val="4018793406"/>
               </p:ext>
             </p:extLst>
           </p:nvPr>
         </p:nvGraphicFramePr>
         <p:xfrm>
-          <a:off x="582775" y="4953196"/>
-          <a:ext cx="6689090" cy="1463040"/>
+          <a:off x="582774" y="4953196"/>
+          <a:ext cx="6911535" cy="1261745"/>
         </p:xfrm>
         <a:graphic>
           <a:graphicData uri="http://schemas.openxmlformats.org/drawingml/2006/table">
@@ -28581,7 +28581,7 @@
                 <a:tableStyleId>{5C22544A-7EE6-4342-B048-85BDC9FD1C3A}</a:tableStyleId>
               </a:tblPr>
               <a:tblGrid>
-                <a:gridCol w="6689090">
+                <a:gridCol w="6911535">
                   <a:extLst>
                     <a:ext uri="{9D8B030D-6E8A-4147-A177-3AD203B41FA5}">
                       <a16:colId xmlns:a16="http://schemas.microsoft.com/office/drawing/2014/main" val="20000"/>

--- a/slides/Chapter1.pptx
+++ b/slides/Chapter1.pptx
@@ -232,7 +232,7 @@
           <a:p>
             <a:fld id="{D2A48B96-639E-45A3-A0BA-2464DFDB1FAA}" type="datetimeFigureOut">
               <a:rPr lang="zh-CN" altLang="en-US" smtClean="0"/>
-              <a:t>2023/1/14</a:t>
+              <a:t>2023/1/28</a:t>
             </a:fld>
             <a:endParaRPr lang="zh-CN" altLang="en-US"/>
           </a:p>
@@ -2259,7 +2259,7 @@
           <a:p>
             <a:fld id="{D997B5FA-0921-464F-AAE1-844C04324D75}" type="datetimeFigureOut">
               <a:rPr lang="zh-CN" altLang="en-US" smtClean="0"/>
-              <a:t>2023/1/14</a:t>
+              <a:t>2023/1/28</a:t>
             </a:fld>
             <a:endParaRPr lang="zh-CN" altLang="en-US"/>
           </a:p>
@@ -2422,7 +2422,7 @@
           <a:p>
             <a:fld id="{D997B5FA-0921-464F-AAE1-844C04324D75}" type="datetimeFigureOut">
               <a:rPr lang="zh-CN" altLang="en-US" smtClean="0"/>
-              <a:t>2023/1/14</a:t>
+              <a:t>2023/1/28</a:t>
             </a:fld>
             <a:endParaRPr lang="zh-CN" altLang="en-US"/>
           </a:p>
@@ -2595,7 +2595,7 @@
           <a:p>
             <a:fld id="{D997B5FA-0921-464F-AAE1-844C04324D75}" type="datetimeFigureOut">
               <a:rPr lang="zh-CN" altLang="en-US" smtClean="0"/>
-              <a:t>2023/1/14</a:t>
+              <a:t>2023/1/28</a:t>
             </a:fld>
             <a:endParaRPr lang="zh-CN" altLang="en-US"/>
           </a:p>
@@ -3269,7 +3269,7 @@
           <a:p>
             <a:fld id="{760FBDFE-C587-4B4C-A407-44438C67B59E}" type="datetimeFigureOut">
               <a:rPr lang="zh-CN" altLang="en-US" smtClean="0"/>
-              <a:t>2023/1/14</a:t>
+              <a:t>2023/1/28</a:t>
             </a:fld>
             <a:endParaRPr lang="zh-CN" altLang="en-US"/>
           </a:p>
@@ -4137,7 +4137,7 @@
           <a:p>
             <a:fld id="{760FBDFE-C587-4B4C-A407-44438C67B59E}" type="datetimeFigureOut">
               <a:rPr lang="zh-CN" altLang="en-US" smtClean="0"/>
-              <a:t>2023/1/14</a:t>
+              <a:t>2023/1/28</a:t>
             </a:fld>
             <a:endParaRPr lang="zh-CN" altLang="en-US"/>
           </a:p>
@@ -4945,7 +4945,7 @@
           <a:p>
             <a:fld id="{760FBDFE-C587-4B4C-A407-44438C67B59E}" type="datetimeFigureOut">
               <a:rPr lang="zh-CN" altLang="en-US" smtClean="0"/>
-              <a:t>2023/1/14</a:t>
+              <a:t>2023/1/28</a:t>
             </a:fld>
             <a:endParaRPr lang="zh-CN" altLang="en-US"/>
           </a:p>
@@ -5682,7 +5682,7 @@
           <a:p>
             <a:fld id="{760FBDFE-C587-4B4C-A407-44438C67B59E}" type="datetimeFigureOut">
               <a:rPr lang="zh-CN" altLang="en-US" smtClean="0"/>
-              <a:t>2023/1/14</a:t>
+              <a:t>2023/1/28</a:t>
             </a:fld>
             <a:endParaRPr lang="zh-CN" altLang="en-US"/>
           </a:p>
@@ -6663,7 +6663,7 @@
           <a:p>
             <a:fld id="{760FBDFE-C587-4B4C-A407-44438C67B59E}" type="datetimeFigureOut">
               <a:rPr lang="zh-CN" altLang="en-US" smtClean="0"/>
-              <a:t>2023/1/14</a:t>
+              <a:t>2023/1/28</a:t>
             </a:fld>
             <a:endParaRPr lang="zh-CN" altLang="en-US"/>
           </a:p>
@@ -7286,7 +7286,7 @@
           <a:p>
             <a:fld id="{760FBDFE-C587-4B4C-A407-44438C67B59E}" type="datetimeFigureOut">
               <a:rPr lang="zh-CN" altLang="en-US" smtClean="0"/>
-              <a:t>2023/1/14</a:t>
+              <a:t>2023/1/28</a:t>
             </a:fld>
             <a:endParaRPr lang="zh-CN" altLang="en-US"/>
           </a:p>
@@ -7393,7 +7393,7 @@
           <a:p>
             <a:fld id="{760FBDFE-C587-4B4C-A407-44438C67B59E}" type="datetimeFigureOut">
               <a:rPr lang="zh-CN" altLang="en-US" smtClean="0"/>
-              <a:t>2023/1/14</a:t>
+              <a:t>2023/1/28</a:t>
             </a:fld>
             <a:endParaRPr lang="zh-CN" altLang="en-US"/>
           </a:p>
@@ -8019,7 +8019,7 @@
           <a:p>
             <a:fld id="{9EFD9D74-47D9-4702-A33C-335B63B48DBF}" type="datetimeFigureOut">
               <a:rPr lang="zh-CN" altLang="en-US" smtClean="0"/>
-              <a:t>2023/1/14</a:t>
+              <a:t>2023/1/28</a:t>
             </a:fld>
             <a:endParaRPr lang="zh-CN" altLang="en-US"/>
           </a:p>
@@ -8214,7 +8214,7 @@
           <a:p>
             <a:fld id="{D997B5FA-0921-464F-AAE1-844C04324D75}" type="datetimeFigureOut">
               <a:rPr lang="zh-CN" altLang="en-US" smtClean="0"/>
-              <a:t>2023/1/14</a:t>
+              <a:t>2023/1/28</a:t>
             </a:fld>
             <a:endParaRPr lang="zh-CN" altLang="en-US"/>
           </a:p>
@@ -8896,7 +8896,7 @@
           <a:p>
             <a:fld id="{760FBDFE-C587-4B4C-A407-44438C67B59E}" type="datetimeFigureOut">
               <a:rPr lang="zh-CN" altLang="en-US" smtClean="0"/>
-              <a:t>2023/1/14</a:t>
+              <a:t>2023/1/28</a:t>
             </a:fld>
             <a:endParaRPr lang="zh-CN" altLang="en-US"/>
           </a:p>
@@ -9432,7 +9432,7 @@
           <a:p>
             <a:fld id="{760FBDFE-C587-4B4C-A407-44438C67B59E}" type="datetimeFigureOut">
               <a:rPr lang="zh-CN" altLang="en-US" smtClean="0"/>
-              <a:t>2023/1/14</a:t>
+              <a:t>2023/1/28</a:t>
             </a:fld>
             <a:endParaRPr lang="zh-CN" altLang="en-US"/>
           </a:p>
@@ -10199,7 +10199,7 @@
           <a:p>
             <a:fld id="{760FBDFE-C587-4B4C-A407-44438C67B59E}" type="datetimeFigureOut">
               <a:rPr lang="zh-CN" altLang="en-US" smtClean="0"/>
-              <a:t>2023/1/14</a:t>
+              <a:t>2023/1/28</a:t>
             </a:fld>
             <a:endParaRPr lang="zh-CN" altLang="en-US"/>
           </a:p>
@@ -10665,7 +10665,7 @@
           <a:p>
             <a:fld id="{760FBDFE-C587-4B4C-A407-44438C67B59E}" type="datetimeFigureOut">
               <a:rPr lang="zh-CN" altLang="en-US" smtClean="0"/>
-              <a:t>2023/1/14</a:t>
+              <a:t>2023/1/28</a:t>
             </a:fld>
             <a:endParaRPr lang="zh-CN" altLang="en-US"/>
           </a:p>
@@ -11355,7 +11355,7 @@
           <a:p>
             <a:fld id="{760FBDFE-C587-4B4C-A407-44438C67B59E}" type="datetimeFigureOut">
               <a:rPr lang="zh-CN" altLang="en-US" smtClean="0"/>
-              <a:t>2023/1/14</a:t>
+              <a:t>2023/1/28</a:t>
             </a:fld>
             <a:endParaRPr lang="zh-CN" altLang="en-US"/>
           </a:p>
@@ -11829,7 +11829,7 @@
           <a:p>
             <a:fld id="{760FBDFE-C587-4B4C-A407-44438C67B59E}" type="datetimeFigureOut">
               <a:rPr lang="zh-CN" altLang="en-US" smtClean="0"/>
-              <a:t>2023/1/14</a:t>
+              <a:t>2023/1/28</a:t>
             </a:fld>
             <a:endParaRPr lang="zh-CN" altLang="en-US"/>
           </a:p>
@@ -12555,7 +12555,7 @@
           <a:p>
             <a:fld id="{760FBDFE-C587-4B4C-A407-44438C67B59E}" type="datetimeFigureOut">
               <a:rPr lang="zh-CN" altLang="en-US" smtClean="0"/>
-              <a:t>2023/1/14</a:t>
+              <a:t>2023/1/28</a:t>
             </a:fld>
             <a:endParaRPr lang="zh-CN" altLang="en-US"/>
           </a:p>
@@ -13195,7 +13195,7 @@
           <a:p>
             <a:fld id="{760FBDFE-C587-4B4C-A407-44438C67B59E}" type="datetimeFigureOut">
               <a:rPr lang="zh-CN" altLang="en-US" smtClean="0"/>
-              <a:t>2023/1/14</a:t>
+              <a:t>2023/1/28</a:t>
             </a:fld>
             <a:endParaRPr lang="zh-CN" altLang="en-US"/>
           </a:p>
@@ -13622,7 +13622,7 @@
           <a:p>
             <a:fld id="{760FBDFE-C587-4B4C-A407-44438C67B59E}" type="datetimeFigureOut">
               <a:rPr lang="zh-CN" altLang="en-US" smtClean="0"/>
-              <a:t>2023/1/14</a:t>
+              <a:t>2023/1/28</a:t>
             </a:fld>
             <a:endParaRPr lang="zh-CN" altLang="en-US"/>
           </a:p>
@@ -14822,7 +14822,7 @@
           <a:p>
             <a:fld id="{760FBDFE-C587-4B4C-A407-44438C67B59E}" type="datetimeFigureOut">
               <a:rPr lang="zh-CN" altLang="en-US" smtClean="0"/>
-              <a:t>2023/1/14</a:t>
+              <a:t>2023/1/28</a:t>
             </a:fld>
             <a:endParaRPr lang="zh-CN" altLang="en-US"/>
           </a:p>
@@ -15141,7 +15141,7 @@
           <a:p>
             <a:fld id="{D997B5FA-0921-464F-AAE1-844C04324D75}" type="datetimeFigureOut">
               <a:rPr lang="zh-CN" altLang="en-US" smtClean="0"/>
-              <a:t>2023/1/14</a:t>
+              <a:t>2023/1/28</a:t>
             </a:fld>
             <a:endParaRPr lang="zh-CN" altLang="en-US"/>
           </a:p>
@@ -15365,7 +15365,7 @@
           <a:p>
             <a:fld id="{D997B5FA-0921-464F-AAE1-844C04324D75}" type="datetimeFigureOut">
               <a:rPr lang="zh-CN" altLang="en-US" smtClean="0"/>
-              <a:t>2023/1/14</a:t>
+              <a:t>2023/1/28</a:t>
             </a:fld>
             <a:endParaRPr lang="zh-CN" altLang="en-US"/>
           </a:p>
@@ -15724,7 +15724,7 @@
           <a:p>
             <a:fld id="{D997B5FA-0921-464F-AAE1-844C04324D75}" type="datetimeFigureOut">
               <a:rPr lang="zh-CN" altLang="en-US" smtClean="0"/>
-              <a:t>2023/1/14</a:t>
+              <a:t>2023/1/28</a:t>
             </a:fld>
             <a:endParaRPr lang="zh-CN" altLang="en-US"/>
           </a:p>
@@ -15836,7 +15836,7 @@
           <a:p>
             <a:fld id="{D997B5FA-0921-464F-AAE1-844C04324D75}" type="datetimeFigureOut">
               <a:rPr lang="zh-CN" altLang="en-US" smtClean="0"/>
-              <a:t>2023/1/14</a:t>
+              <a:t>2023/1/28</a:t>
             </a:fld>
             <a:endParaRPr lang="zh-CN" altLang="en-US"/>
           </a:p>
@@ -15926,7 +15926,7 @@
           <a:p>
             <a:fld id="{D997B5FA-0921-464F-AAE1-844C04324D75}" type="datetimeFigureOut">
               <a:rPr lang="zh-CN" altLang="en-US" smtClean="0"/>
-              <a:t>2023/1/14</a:t>
+              <a:t>2023/1/28</a:t>
             </a:fld>
             <a:endParaRPr lang="zh-CN" altLang="en-US"/>
           </a:p>
@@ -16196,7 +16196,7 @@
           <a:p>
             <a:fld id="{D997B5FA-0921-464F-AAE1-844C04324D75}" type="datetimeFigureOut">
               <a:rPr lang="zh-CN" altLang="en-US" smtClean="0"/>
-              <a:t>2023/1/14</a:t>
+              <a:t>2023/1/28</a:t>
             </a:fld>
             <a:endParaRPr lang="zh-CN" altLang="en-US"/>
           </a:p>
@@ -16443,7 +16443,7 @@
           <a:p>
             <a:fld id="{D997B5FA-0921-464F-AAE1-844C04324D75}" type="datetimeFigureOut">
               <a:rPr lang="zh-CN" altLang="en-US" smtClean="0"/>
-              <a:t>2023/1/14</a:t>
+              <a:t>2023/1/28</a:t>
             </a:fld>
             <a:endParaRPr lang="zh-CN" altLang="en-US"/>
           </a:p>
@@ -16649,7 +16649,7 @@
           <a:p>
             <a:fld id="{D997B5FA-0921-464F-AAE1-844C04324D75}" type="datetimeFigureOut">
               <a:rPr lang="zh-CN" altLang="en-US" smtClean="0"/>
-              <a:t>2023/1/14</a:t>
+              <a:t>2023/1/28</a:t>
             </a:fld>
             <a:endParaRPr lang="zh-CN" altLang="en-US"/>
           </a:p>
@@ -17196,7 +17196,7 @@
           <a:p>
             <a:fld id="{760FBDFE-C587-4B4C-A407-44438C67B59E}" type="datetimeFigureOut">
               <a:rPr lang="zh-CN" altLang="en-US" smtClean="0"/>
-              <a:t>2023/1/14</a:t>
+              <a:t>2023/1/28</a:t>
             </a:fld>
             <a:endParaRPr lang="zh-CN" altLang="en-US"/>
           </a:p>
@@ -22044,14 +22044,34 @@
               <a:t>头文件</a:t>
             </a:r>
             <a:r>
-              <a:rPr>
+              <a:rPr lang="en-US">
                 <a:solidFill>
                   <a:srgbClr val="FF0000"/>
                 </a:solidFill>
                 <a:latin typeface="+mn-lt"/>
                 <a:cs typeface="+mn-lt"/>
               </a:rPr>
+              <a:t>&lt;</a:t>
+            </a:r>
+            <a:r>
+              <a:rPr>
+                <a:solidFill>
+                  <a:srgbClr val="FF0000"/>
+                </a:solidFill>
+                <a:latin typeface="+mn-lt"/>
+                <a:cs typeface="+mn-lt"/>
+              </a:rPr>
               <a:t>math.h</a:t>
+            </a:r>
+            <a:r>
+              <a:rPr lang="en-US">
+                <a:solidFill>
+                  <a:srgbClr val="FF0000"/>
+                </a:solidFill>
+                <a:latin typeface="+mn-lt"/>
+                <a:cs typeface="+mn-lt"/>
+              </a:rPr>
+              <a:t>&gt;</a:t>
             </a:r>
             <a:r>
               <a:rPr>
